--- a/pubs/talks/2010/2010workshop/overview.pptx
+++ b/pubs/talks/2010/2010workshop/overview.pptx
@@ -5,10 +5,10 @@
     <p:sldMasterId id="2147483651" r:id="rId1"/>
   </p:sldMasterIdLst>
   <p:notesMasterIdLst>
-    <p:notesMasterId r:id="rId29"/>
+    <p:notesMasterId r:id="rId28"/>
   </p:notesMasterIdLst>
   <p:handoutMasterIdLst>
-    <p:handoutMasterId r:id="rId30"/>
+    <p:handoutMasterId r:id="rId29"/>
   </p:handoutMasterIdLst>
   <p:sldIdLst>
     <p:sldId id="256" r:id="rId2"/>
@@ -36,8 +36,7 @@
     <p:sldId id="354" r:id="rId24"/>
     <p:sldId id="351" r:id="rId25"/>
     <p:sldId id="361" r:id="rId26"/>
-    <p:sldId id="358" r:id="rId27"/>
-    <p:sldId id="359" r:id="rId28"/>
+    <p:sldId id="359" r:id="rId27"/>
   </p:sldIdLst>
   <p:sldSz cx="9144000" cy="6858000" type="screen4x3"/>
   <p:notesSz cx="9144000" cy="6858000"/>
@@ -486,7 +485,7 @@
         <p:nvSpPr>
           <p:cNvPr id="16388" name="Rectangle 4"/>
           <p:cNvSpPr>
-            <a:spLocks noChangeArrowheads="1" noTextEdit="1"/>
+            <a:spLocks noGrp="1" noRot="1" noChangeAspect="1" noChangeArrowheads="1" noTextEdit="1"/>
           </p:cNvSpPr>
           <p:nvPr>
             <p:ph type="sldImg" idx="2"/>
@@ -845,7 +844,7 @@
         <p:nvSpPr>
           <p:cNvPr id="18435" name="Rectangle 2"/>
           <p:cNvSpPr>
-            <a:spLocks noChangeArrowheads="1" noTextEdit="1"/>
+            <a:spLocks noGrp="1" noRot="1" noChangeAspect="1" noChangeArrowheads="1" noTextEdit="1"/>
           </p:cNvSpPr>
           <p:nvPr>
             <p:ph type="sldImg"/>
@@ -935,7 +934,7 @@
         <p:nvSpPr>
           <p:cNvPr id="38915" name="Rectangle 2"/>
           <p:cNvSpPr>
-            <a:spLocks noChangeArrowheads="1"/>
+            <a:spLocks noGrp="1" noRot="1" noChangeAspect="1" noChangeArrowheads="1"/>
           </p:cNvSpPr>
           <p:nvPr>
             <p:ph type="sldImg"/>
@@ -956,7 +955,7 @@
         <p:nvSpPr>
           <p:cNvPr id="38916" name="Rectangle 3"/>
           <p:cNvSpPr>
-            <a:spLocks noChangeArrowheads="1"/>
+            <a:spLocks noGrp="1" noChangeArrowheads="1"/>
           </p:cNvSpPr>
           <p:nvPr>
             <p:ph type="body" idx="1"/>
@@ -1044,7 +1043,7 @@
         <p:nvSpPr>
           <p:cNvPr id="40963" name="Rectangle 2"/>
           <p:cNvSpPr>
-            <a:spLocks noChangeArrowheads="1"/>
+            <a:spLocks noGrp="1" noRot="1" noChangeAspect="1" noChangeArrowheads="1"/>
           </p:cNvSpPr>
           <p:nvPr>
             <p:ph type="sldImg"/>
@@ -1065,7 +1064,7 @@
         <p:nvSpPr>
           <p:cNvPr id="40964" name="Rectangle 3"/>
           <p:cNvSpPr>
-            <a:spLocks noChangeArrowheads="1"/>
+            <a:spLocks noGrp="1" noChangeArrowheads="1"/>
           </p:cNvSpPr>
           <p:nvPr>
             <p:ph type="body" idx="1"/>
@@ -1156,7 +1155,7 @@
         <p:nvSpPr>
           <p:cNvPr id="43011" name="Rectangle 2"/>
           <p:cNvSpPr>
-            <a:spLocks noChangeArrowheads="1"/>
+            <a:spLocks noGrp="1" noRot="1" noChangeAspect="1" noChangeArrowheads="1"/>
           </p:cNvSpPr>
           <p:nvPr>
             <p:ph type="sldImg"/>
@@ -1177,7 +1176,7 @@
         <p:nvSpPr>
           <p:cNvPr id="43012" name="Rectangle 3"/>
           <p:cNvSpPr>
-            <a:spLocks noChangeArrowheads="1"/>
+            <a:spLocks noGrp="1" noChangeArrowheads="1"/>
           </p:cNvSpPr>
           <p:nvPr>
             <p:ph type="body" idx="1"/>
@@ -1268,7 +1267,7 @@
         <p:nvSpPr>
           <p:cNvPr id="45059" name="Rectangle 2"/>
           <p:cNvSpPr>
-            <a:spLocks noChangeArrowheads="1"/>
+            <a:spLocks noGrp="1" noRot="1" noChangeAspect="1" noChangeArrowheads="1"/>
           </p:cNvSpPr>
           <p:nvPr>
             <p:ph type="sldImg"/>
@@ -1289,7 +1288,7 @@
         <p:nvSpPr>
           <p:cNvPr id="45060" name="Rectangle 3"/>
           <p:cNvSpPr>
-            <a:spLocks noChangeArrowheads="1"/>
+            <a:spLocks noGrp="1" noChangeArrowheads="1"/>
           </p:cNvSpPr>
           <p:nvPr>
             <p:ph type="body" idx="1"/>
@@ -1377,7 +1376,7 @@
         <p:nvSpPr>
           <p:cNvPr id="47107" name="Rectangle 2"/>
           <p:cNvSpPr>
-            <a:spLocks noChangeArrowheads="1"/>
+            <a:spLocks noGrp="1" noRot="1" noChangeAspect="1" noChangeArrowheads="1"/>
           </p:cNvSpPr>
           <p:nvPr>
             <p:ph type="sldImg"/>
@@ -1398,7 +1397,7 @@
         <p:nvSpPr>
           <p:cNvPr id="47108" name="Rectangle 3"/>
           <p:cNvSpPr>
-            <a:spLocks noChangeArrowheads="1"/>
+            <a:spLocks noGrp="1" noChangeArrowheads="1"/>
           </p:cNvSpPr>
           <p:nvPr>
             <p:ph type="body" idx="1"/>
@@ -1489,7 +1488,7 @@
         <p:nvSpPr>
           <p:cNvPr id="49155" name="Rectangle 2"/>
           <p:cNvSpPr>
-            <a:spLocks noChangeArrowheads="1"/>
+            <a:spLocks noGrp="1" noRot="1" noChangeAspect="1" noChangeArrowheads="1"/>
           </p:cNvSpPr>
           <p:nvPr>
             <p:ph type="sldImg"/>
@@ -1510,7 +1509,7 @@
         <p:nvSpPr>
           <p:cNvPr id="49156" name="Rectangle 3"/>
           <p:cNvSpPr>
-            <a:spLocks noChangeArrowheads="1"/>
+            <a:spLocks noGrp="1" noChangeArrowheads="1"/>
           </p:cNvSpPr>
           <p:nvPr>
             <p:ph type="body" idx="1"/>
@@ -1601,7 +1600,7 @@
         <p:nvSpPr>
           <p:cNvPr id="51203" name="Rectangle 2"/>
           <p:cNvSpPr>
-            <a:spLocks noChangeArrowheads="1"/>
+            <a:spLocks noGrp="1" noRot="1" noChangeAspect="1" noChangeArrowheads="1"/>
           </p:cNvSpPr>
           <p:nvPr>
             <p:ph type="sldImg"/>
@@ -1622,7 +1621,7 @@
         <p:nvSpPr>
           <p:cNvPr id="51204" name="Rectangle 3"/>
           <p:cNvSpPr>
-            <a:spLocks noChangeArrowheads="1"/>
+            <a:spLocks noGrp="1" noChangeArrowheads="1"/>
           </p:cNvSpPr>
           <p:nvPr>
             <p:ph type="body" idx="1"/>
@@ -1710,7 +1709,7 @@
         <p:nvSpPr>
           <p:cNvPr id="54275" name="Rectangle 2"/>
           <p:cNvSpPr>
-            <a:spLocks noChangeArrowheads="1"/>
+            <a:spLocks noGrp="1" noRot="1" noChangeAspect="1" noChangeArrowheads="1"/>
           </p:cNvSpPr>
           <p:nvPr>
             <p:ph type="sldImg"/>
@@ -1731,7 +1730,7 @@
         <p:nvSpPr>
           <p:cNvPr id="54276" name="Rectangle 3"/>
           <p:cNvSpPr>
-            <a:spLocks noChangeArrowheads="1"/>
+            <a:spLocks noGrp="1" noChangeArrowheads="1"/>
           </p:cNvSpPr>
           <p:nvPr>
             <p:ph type="body" idx="1"/>
@@ -1822,7 +1821,7 @@
         <p:nvSpPr>
           <p:cNvPr id="56323" name="Rectangle 2"/>
           <p:cNvSpPr>
-            <a:spLocks noChangeArrowheads="1"/>
+            <a:spLocks noGrp="1" noRot="1" noChangeAspect="1" noChangeArrowheads="1"/>
           </p:cNvSpPr>
           <p:nvPr>
             <p:ph type="sldImg"/>
@@ -1843,7 +1842,7 @@
         <p:nvSpPr>
           <p:cNvPr id="56324" name="Rectangle 3"/>
           <p:cNvSpPr>
-            <a:spLocks noChangeArrowheads="1"/>
+            <a:spLocks noGrp="1" noChangeArrowheads="1"/>
           </p:cNvSpPr>
           <p:nvPr>
             <p:ph type="body" idx="1"/>
@@ -1934,7 +1933,7 @@
         <p:nvSpPr>
           <p:cNvPr id="58371" name="Rectangle 2"/>
           <p:cNvSpPr>
-            <a:spLocks noChangeArrowheads="1"/>
+            <a:spLocks noGrp="1" noRot="1" noChangeAspect="1" noChangeArrowheads="1"/>
           </p:cNvSpPr>
           <p:nvPr>
             <p:ph type="sldImg"/>
@@ -1951,7 +1950,7 @@
         <p:nvSpPr>
           <p:cNvPr id="58372" name="Rectangle 3"/>
           <p:cNvSpPr>
-            <a:spLocks noChangeArrowheads="1"/>
+            <a:spLocks noGrp="1" noChangeArrowheads="1"/>
           </p:cNvSpPr>
           <p:nvPr>
             <p:ph type="body" idx="1"/>
@@ -2035,7 +2034,7 @@
         <p:nvSpPr>
           <p:cNvPr id="22531" name="Rectangle 2"/>
           <p:cNvSpPr>
-            <a:spLocks noChangeArrowheads="1" noTextEdit="1"/>
+            <a:spLocks noGrp="1" noRot="1" noChangeAspect="1" noChangeArrowheads="1" noTextEdit="1"/>
           </p:cNvSpPr>
           <p:nvPr>
             <p:ph type="sldImg"/>
@@ -2127,7 +2126,7 @@
         <p:nvSpPr>
           <p:cNvPr id="60419" name="Rectangle 1026"/>
           <p:cNvSpPr>
-            <a:spLocks noChangeArrowheads="1" noTextEdit="1"/>
+            <a:spLocks noGrp="1" noRot="1" noChangeAspect="1" noChangeArrowheads="1" noTextEdit="1"/>
           </p:cNvSpPr>
           <p:nvPr>
             <p:ph type="sldImg"/>
@@ -2219,7 +2218,7 @@
         <p:nvSpPr>
           <p:cNvPr id="62467" name="Rectangle 2"/>
           <p:cNvSpPr>
-            <a:spLocks noChangeArrowheads="1"/>
+            <a:spLocks noGrp="1" noRot="1" noChangeAspect="1" noChangeArrowheads="1"/>
           </p:cNvSpPr>
           <p:nvPr>
             <p:ph type="sldImg"/>
@@ -2240,7 +2239,7 @@
         <p:nvSpPr>
           <p:cNvPr id="62468" name="Rectangle 3"/>
           <p:cNvSpPr>
-            <a:spLocks noChangeArrowheads="1"/>
+            <a:spLocks noGrp="1" noChangeArrowheads="1"/>
           </p:cNvSpPr>
           <p:nvPr>
             <p:ph type="body" idx="1"/>
@@ -2328,7 +2327,7 @@
         <p:nvSpPr>
           <p:cNvPr id="64515" name="Rectangle 2"/>
           <p:cNvSpPr>
-            <a:spLocks noChangeArrowheads="1" noTextEdit="1"/>
+            <a:spLocks noGrp="1" noRot="1" noChangeAspect="1" noChangeArrowheads="1" noTextEdit="1"/>
           </p:cNvSpPr>
           <p:nvPr>
             <p:ph type="sldImg"/>
@@ -2420,7 +2419,7 @@
         <p:nvSpPr>
           <p:cNvPr id="68611" name="Rectangle 2"/>
           <p:cNvSpPr>
-            <a:spLocks noChangeArrowheads="1"/>
+            <a:spLocks noGrp="1" noRot="1" noChangeAspect="1" noChangeArrowheads="1"/>
           </p:cNvSpPr>
           <p:nvPr>
             <p:ph type="sldImg"/>
@@ -2441,7 +2440,7 @@
         <p:nvSpPr>
           <p:cNvPr id="68612" name="Rectangle 3"/>
           <p:cNvSpPr>
-            <a:spLocks noChangeArrowheads="1"/>
+            <a:spLocks noGrp="1" noChangeArrowheads="1"/>
           </p:cNvSpPr>
           <p:nvPr>
             <p:ph type="body" idx="1"/>
@@ -2522,7 +2521,7 @@
             <a:fld id="{922EE1FB-E610-BB48-911A-FC3769640930}" type="slidenum">
               <a:rPr lang="en-US"/>
               <a:pPr/>
-              <a:t>27</a:t>
+              <a:t>26</a:t>
             </a:fld>
             <a:endParaRPr lang="en-US"/>
           </a:p>
@@ -2532,7 +2531,7 @@
         <p:nvSpPr>
           <p:cNvPr id="71683" name="Rectangle 2"/>
           <p:cNvSpPr>
-            <a:spLocks noChangeArrowheads="1"/>
+            <a:spLocks noGrp="1" noRot="1" noChangeAspect="1" noChangeArrowheads="1"/>
           </p:cNvSpPr>
           <p:nvPr>
             <p:ph type="sldImg"/>
@@ -2549,7 +2548,7 @@
         <p:nvSpPr>
           <p:cNvPr id="71684" name="Rectangle 3"/>
           <p:cNvSpPr>
-            <a:spLocks noChangeArrowheads="1"/>
+            <a:spLocks noGrp="1" noChangeArrowheads="1"/>
           </p:cNvSpPr>
           <p:nvPr>
             <p:ph type="body" idx="1"/>
@@ -2633,7 +2632,7 @@
         <p:nvSpPr>
           <p:cNvPr id="24579" name="Rectangle 2"/>
           <p:cNvSpPr>
-            <a:spLocks noChangeArrowheads="1" noTextEdit="1"/>
+            <a:spLocks noGrp="1" noRot="1" noChangeAspect="1" noChangeArrowheads="1" noTextEdit="1"/>
           </p:cNvSpPr>
           <p:nvPr>
             <p:ph type="sldImg"/>
@@ -2725,7 +2724,7 @@
         <p:nvSpPr>
           <p:cNvPr id="26627" name="Rectangle 1026"/>
           <p:cNvSpPr>
-            <a:spLocks noChangeArrowheads="1" noTextEdit="1"/>
+            <a:spLocks noGrp="1" noRot="1" noChangeAspect="1" noChangeArrowheads="1" noTextEdit="1"/>
           </p:cNvSpPr>
           <p:nvPr>
             <p:ph type="sldImg"/>
@@ -2817,7 +2816,7 @@
         <p:nvSpPr>
           <p:cNvPr id="28675" name="Rectangle 2"/>
           <p:cNvSpPr>
-            <a:spLocks noChangeArrowheads="1"/>
+            <a:spLocks noGrp="1" noRot="1" noChangeAspect="1" noChangeArrowheads="1"/>
           </p:cNvSpPr>
           <p:nvPr>
             <p:ph type="sldImg"/>
@@ -2834,7 +2833,7 @@
         <p:nvSpPr>
           <p:cNvPr id="28676" name="Rectangle 3"/>
           <p:cNvSpPr>
-            <a:spLocks noChangeArrowheads="1"/>
+            <a:spLocks noGrp="1" noChangeArrowheads="1"/>
           </p:cNvSpPr>
           <p:nvPr>
             <p:ph type="body" idx="1"/>
@@ -2918,7 +2917,7 @@
         <p:nvSpPr>
           <p:cNvPr id="32771" name="Rectangle 2"/>
           <p:cNvSpPr>
-            <a:spLocks noChangeArrowheads="1"/>
+            <a:spLocks noGrp="1" noRot="1" noChangeAspect="1" noChangeArrowheads="1"/>
           </p:cNvSpPr>
           <p:nvPr>
             <p:ph type="sldImg"/>
@@ -2939,7 +2938,7 @@
         <p:nvSpPr>
           <p:cNvPr id="32772" name="Rectangle 3"/>
           <p:cNvSpPr>
-            <a:spLocks noChangeArrowheads="1"/>
+            <a:spLocks noGrp="1" noChangeArrowheads="1"/>
           </p:cNvSpPr>
           <p:nvPr>
             <p:ph type="body" idx="1"/>
@@ -3146,7 +3145,7 @@
         <p:nvSpPr>
           <p:cNvPr id="34819" name="Rectangle 2"/>
           <p:cNvSpPr>
-            <a:spLocks noChangeArrowheads="1"/>
+            <a:spLocks noGrp="1" noRot="1" noChangeAspect="1" noChangeArrowheads="1"/>
           </p:cNvSpPr>
           <p:nvPr>
             <p:ph type="sldImg"/>
@@ -3167,7 +3166,7 @@
         <p:nvSpPr>
           <p:cNvPr id="34820" name="Rectangle 3"/>
           <p:cNvSpPr>
-            <a:spLocks noChangeArrowheads="1"/>
+            <a:spLocks noGrp="1" noChangeArrowheads="1"/>
           </p:cNvSpPr>
           <p:nvPr>
             <p:ph type="body" idx="1"/>
@@ -3255,7 +3254,7 @@
         <p:nvSpPr>
           <p:cNvPr id="36867" name="Rectangle 2"/>
           <p:cNvSpPr>
-            <a:spLocks noChangeArrowheads="1"/>
+            <a:spLocks noGrp="1" noRot="1" noChangeAspect="1" noChangeArrowheads="1"/>
           </p:cNvSpPr>
           <p:nvPr>
             <p:ph type="sldImg"/>
@@ -3272,7 +3271,7 @@
         <p:nvSpPr>
           <p:cNvPr id="36868" name="Rectangle 3"/>
           <p:cNvSpPr>
-            <a:spLocks noChangeArrowheads="1"/>
+            <a:spLocks noGrp="1" noChangeArrowheads="1"/>
           </p:cNvSpPr>
           <p:nvPr>
             <p:ph type="body" idx="1"/>
@@ -6101,7 +6100,7 @@
                   <a:schemeClr val="tx1"/>
                 </a:solidFill>
               </a:rPr>
-              <a:t>August 26-27, 2008</a:t>
+              <a:t>August 26-27, 2010</a:t>
             </a:r>
             <a:endParaRPr lang="en-US" dirty="0">
               <a:solidFill>
@@ -6176,13 +6175,7 @@
               <a:rPr lang="en-US" dirty="0" smtClean="0">
                 <a:hlinkClick r:id="rId5"/>
               </a:rPr>
-              <a:t>phoover@</a:t>
-            </a:r>
-            <a:r>
-              <a:rPr lang="en-US" dirty="0" smtClean="0">
-                <a:hlinkClick r:id="rId5"/>
-              </a:rPr>
-              <a:t>sdsc.edu</a:t>
+              <a:t>phoover@sdsc.edu</a:t>
             </a:r>
             <a:endParaRPr lang="en-US" dirty="0" smtClean="0"/>
           </a:p>
@@ -12218,7 +12211,7 @@
             </a:r>
             <a:r>
               <a:rPr lang="en-US" dirty="0" smtClean="0"/>
-              <a:t> Performance deployments</a:t>
+              <a:t> performance deployments</a:t>
             </a:r>
             <a:endParaRPr lang="en-US" dirty="0"/>
           </a:p>
@@ -12237,7 +12230,7 @@
         <p:spPr>
           <a:xfrm>
             <a:off x="381000" y="1066800"/>
-            <a:ext cx="3962400" cy="4749800"/>
+            <a:ext cx="3962400" cy="4953000"/>
           </a:xfrm>
         </p:spPr>
         <p:txBody>
@@ -12287,7 +12280,7 @@
           <a:p>
             <a:r>
               <a:rPr lang="en-US" sz="2400" dirty="0" smtClean="0"/>
-              <a:t>Current</a:t>
+              <a:t>New for 2.6</a:t>
             </a:r>
           </a:p>
           <a:p>
@@ -12300,7 +12293,10 @@
               <a:rPr lang="en-US" sz="2000" dirty="0" err="1" smtClean="0"/>
               <a:t>FutureGrid</a:t>
             </a:r>
-            <a:endParaRPr lang="en-US" sz="2000" dirty="0" smtClean="0"/>
+            <a:r>
+              <a:rPr lang="en-US" sz="2000" dirty="0" smtClean="0"/>
+              <a:t> </a:t>
+            </a:r>
           </a:p>
           <a:p>
             <a:pPr lvl="1"/>
@@ -12699,7 +12695,7 @@
           <a:p>
             <a:r>
               <a:rPr lang="en-US" dirty="0" smtClean="0"/>
-              <a:t>More features planned</a:t>
+              <a:t>Future work</a:t>
             </a:r>
             <a:endParaRPr lang="en-US" dirty="0"/>
           </a:p>
@@ -12757,2367 +12753,6 @@
           </a:p>
           <a:p>
             <a:endParaRPr lang="en-US" dirty="0"/>
-          </a:p>
-        </p:txBody>
-      </p:sp>
-    </p:spTree>
-  </p:cSld>
-  <p:clrMapOvr>
-    <a:masterClrMapping/>
-  </p:clrMapOvr>
-</p:sld>
-</file>
-
-<file path=ppt/slides/slide26.xml><?xml version="1.0" encoding="utf-8"?>
-<p:sld xmlns:a="http://schemas.openxmlformats.org/drawingml/2006/main" xmlns:r="http://schemas.openxmlformats.org/officeDocument/2006/relationships" xmlns:mc="http://schemas.openxmlformats.org/markup-compatibility/2006" xmlns:mv="urn:schemas-microsoft-com:mac:vml" xmlns:p="http://schemas.openxmlformats.org/presentationml/2006/main" mc:Ignorable="mv" mc:PreserveAttributes="mv:*">
-  <p:cSld>
-    <p:spTree>
-      <p:nvGrpSpPr>
-        <p:cNvPr id="1" name=""/>
-        <p:cNvGrpSpPr/>
-        <p:nvPr/>
-      </p:nvGrpSpPr>
-      <p:grpSpPr>
-        <a:xfrm>
-          <a:off x="0" y="0"/>
-          <a:ext cx="0" cy="0"/>
-          <a:chOff x="0" y="0"/>
-          <a:chExt cx="0" cy="0"/>
-        </a:xfrm>
-      </p:grpSpPr>
-      <p:sp>
-        <p:nvSpPr>
-          <p:cNvPr id="69634" name="AutoShape 5"/>
-          <p:cNvSpPr>
-            <a:spLocks noChangeArrowheads="1"/>
-          </p:cNvSpPr>
-          <p:nvPr/>
-        </p:nvSpPr>
-        <p:spPr bwMode="auto">
-          <a:xfrm>
-            <a:off x="2209800" y="2133600"/>
-            <a:ext cx="1676400" cy="1295400"/>
-          </a:xfrm>
-          <a:prstGeom prst="roundRect">
-            <a:avLst>
-              <a:gd name="adj" fmla="val 9602"/>
-            </a:avLst>
-          </a:prstGeom>
-          <a:solidFill>
-            <a:srgbClr val="AAD1F5"/>
-          </a:solidFill>
-          <a:ln w="9525">
-            <a:noFill/>
-            <a:round/>
-            <a:headEnd/>
-            <a:tailEnd/>
-          </a:ln>
-        </p:spPr>
-        <p:txBody>
-          <a:bodyPr wrap="none" anchor="ctr">
-            <a:prstTxWarp prst="textNoShape">
-              <a:avLst/>
-            </a:prstTxWarp>
-          </a:bodyPr>
-          <a:lstStyle/>
-          <a:p>
-            <a:endParaRPr lang="en-US"/>
-          </a:p>
-        </p:txBody>
-      </p:sp>
-      <p:sp>
-        <p:nvSpPr>
-          <p:cNvPr id="69635" name="AutoShape 6"/>
-          <p:cNvSpPr>
-            <a:spLocks noChangeArrowheads="1"/>
-          </p:cNvSpPr>
-          <p:nvPr/>
-        </p:nvSpPr>
-        <p:spPr bwMode="auto">
-          <a:xfrm>
-            <a:off x="4800600" y="4191000"/>
-            <a:ext cx="2914650" cy="1219200"/>
-          </a:xfrm>
-          <a:prstGeom prst="roundRect">
-            <a:avLst>
-              <a:gd name="adj" fmla="val 9602"/>
-            </a:avLst>
-          </a:prstGeom>
-          <a:solidFill>
-            <a:srgbClr val="9FC6B7"/>
-          </a:solidFill>
-          <a:ln w="9525">
-            <a:noFill/>
-            <a:round/>
-            <a:headEnd/>
-            <a:tailEnd/>
-          </a:ln>
-        </p:spPr>
-        <p:txBody>
-          <a:bodyPr wrap="none" anchor="ctr">
-            <a:prstTxWarp prst="textNoShape">
-              <a:avLst/>
-            </a:prstTxWarp>
-          </a:bodyPr>
-          <a:lstStyle/>
-          <a:p>
-            <a:endParaRPr lang="en-US"/>
-          </a:p>
-        </p:txBody>
-      </p:sp>
-      <p:sp>
-        <p:nvSpPr>
-          <p:cNvPr id="69636" name="AutoShape 7"/>
-          <p:cNvSpPr>
-            <a:spLocks noChangeArrowheads="1"/>
-          </p:cNvSpPr>
-          <p:nvPr/>
-        </p:nvSpPr>
-        <p:spPr bwMode="auto">
-          <a:xfrm>
-            <a:off x="4648200" y="1676400"/>
-            <a:ext cx="3124200" cy="1752600"/>
-          </a:xfrm>
-          <a:prstGeom prst="roundRect">
-            <a:avLst>
-              <a:gd name="adj" fmla="val 9602"/>
-            </a:avLst>
-          </a:prstGeom>
-          <a:solidFill>
-            <a:schemeClr val="accent1"/>
-          </a:solidFill>
-          <a:ln w="9525">
-            <a:noFill/>
-            <a:round/>
-            <a:headEnd/>
-            <a:tailEnd/>
-          </a:ln>
-        </p:spPr>
-        <p:txBody>
-          <a:bodyPr wrap="none" anchor="ctr">
-            <a:prstTxWarp prst="textNoShape">
-              <a:avLst/>
-            </a:prstTxWarp>
-          </a:bodyPr>
-          <a:lstStyle/>
-          <a:p>
-            <a:endParaRPr lang="en-US"/>
-          </a:p>
-        </p:txBody>
-      </p:sp>
-      <p:sp>
-        <p:nvSpPr>
-          <p:cNvPr id="69637" name="Text Box 8"/>
-          <p:cNvSpPr txBox="1">
-            <a:spLocks noChangeArrowheads="1"/>
-          </p:cNvSpPr>
-          <p:nvPr/>
-        </p:nvSpPr>
-        <p:spPr bwMode="auto">
-          <a:xfrm>
-            <a:off x="6419850" y="5183188"/>
-            <a:ext cx="920750" cy="244475"/>
-          </a:xfrm>
-          <a:prstGeom prst="rect">
-            <a:avLst/>
-          </a:prstGeom>
-          <a:noFill/>
-          <a:ln w="9525">
-            <a:noFill/>
-            <a:miter lim="800000"/>
-            <a:headEnd/>
-            <a:tailEnd/>
-          </a:ln>
-        </p:spPr>
-        <p:txBody>
-          <a:bodyPr wrap="none">
-            <a:prstTxWarp prst="textNoShape">
-              <a:avLst/>
-            </a:prstTxWarp>
-            <a:spAutoFit/>
-          </a:bodyPr>
-          <a:lstStyle/>
-          <a:p>
-            <a:r>
-              <a:rPr lang="en-US" sz="1000">
-                <a:solidFill>
-                  <a:srgbClr val="4C4C4C"/>
-                </a:solidFill>
-                <a:latin typeface="Times New Roman" charset="0"/>
-              </a:rPr>
-              <a:t>Grid Resource</a:t>
-            </a:r>
-          </a:p>
-        </p:txBody>
-      </p:sp>
-      <p:sp>
-        <p:nvSpPr>
-          <p:cNvPr id="69638" name="Text Box 9"/>
-          <p:cNvSpPr txBox="1">
-            <a:spLocks noChangeArrowheads="1"/>
-          </p:cNvSpPr>
-          <p:nvPr/>
-        </p:nvSpPr>
-        <p:spPr bwMode="auto">
-          <a:xfrm>
-            <a:off x="5372100" y="4514850"/>
-            <a:ext cx="488950" cy="457200"/>
-          </a:xfrm>
-          <a:prstGeom prst="rect">
-            <a:avLst/>
-          </a:prstGeom>
-          <a:noFill/>
-          <a:ln w="9525">
-            <a:noFill/>
-            <a:miter lim="800000"/>
-            <a:headEnd/>
-            <a:tailEnd/>
-          </a:ln>
-        </p:spPr>
-        <p:txBody>
-          <a:bodyPr wrap="none">
-            <a:prstTxWarp prst="textNoShape">
-              <a:avLst/>
-            </a:prstTxWarp>
-            <a:spAutoFit/>
-          </a:bodyPr>
-          <a:lstStyle/>
-          <a:p>
-            <a:r>
-              <a:rPr lang="en-US" sz="2400">
-                <a:latin typeface="Times New Roman" charset="0"/>
-              </a:rPr>
-              <a:t>…</a:t>
-            </a:r>
-          </a:p>
-        </p:txBody>
-      </p:sp>
-      <p:sp>
-        <p:nvSpPr>
-          <p:cNvPr id="69639" name="AutoShape 10"/>
-          <p:cNvSpPr>
-            <a:spLocks noChangeArrowheads="1"/>
-          </p:cNvSpPr>
-          <p:nvPr/>
-        </p:nvSpPr>
-        <p:spPr bwMode="auto">
-          <a:xfrm>
-            <a:off x="6608763" y="4546600"/>
-            <a:ext cx="271462" cy="331788"/>
-          </a:xfrm>
-          <a:prstGeom prst="cube">
-            <a:avLst>
-              <a:gd name="adj" fmla="val 25000"/>
-            </a:avLst>
-          </a:prstGeom>
-          <a:solidFill>
-            <a:srgbClr val="FFCC00"/>
-          </a:solidFill>
-          <a:ln w="9525">
-            <a:solidFill>
-              <a:schemeClr val="tx1"/>
-            </a:solidFill>
-            <a:miter lim="800000"/>
-            <a:headEnd/>
-            <a:tailEnd/>
-          </a:ln>
-        </p:spPr>
-        <p:txBody>
-          <a:bodyPr wrap="none" anchor="ctr">
-            <a:prstTxWarp prst="textNoShape">
-              <a:avLst/>
-            </a:prstTxWarp>
-          </a:bodyPr>
-          <a:lstStyle/>
-          <a:p>
-            <a:endParaRPr lang="en-US"/>
-          </a:p>
-        </p:txBody>
-      </p:sp>
-      <p:sp>
-        <p:nvSpPr>
-          <p:cNvPr id="69640" name="AutoShape 11"/>
-          <p:cNvSpPr>
-            <a:spLocks noChangeArrowheads="1"/>
-          </p:cNvSpPr>
-          <p:nvPr/>
-        </p:nvSpPr>
-        <p:spPr bwMode="auto">
-          <a:xfrm>
-            <a:off x="6472238" y="4583113"/>
-            <a:ext cx="271462" cy="547687"/>
-          </a:xfrm>
-          <a:prstGeom prst="cube">
-            <a:avLst>
-              <a:gd name="adj" fmla="val 25000"/>
-            </a:avLst>
-          </a:prstGeom>
-          <a:solidFill>
-            <a:schemeClr val="bg2"/>
-          </a:solidFill>
-          <a:ln w="9525">
-            <a:solidFill>
-              <a:srgbClr val="333333"/>
-            </a:solidFill>
-            <a:miter lim="800000"/>
-            <a:headEnd/>
-            <a:tailEnd/>
-          </a:ln>
-        </p:spPr>
-        <p:txBody>
-          <a:bodyPr wrap="none" anchor="ctr">
-            <a:prstTxWarp prst="textNoShape">
-              <a:avLst/>
-            </a:prstTxWarp>
-          </a:bodyPr>
-          <a:lstStyle/>
-          <a:p>
-            <a:endParaRPr lang="en-US"/>
-          </a:p>
-        </p:txBody>
-      </p:sp>
-      <p:sp>
-        <p:nvSpPr>
-          <p:cNvPr id="69641" name="AutoShape 12"/>
-          <p:cNvSpPr>
-            <a:spLocks noChangeArrowheads="1"/>
-          </p:cNvSpPr>
-          <p:nvPr/>
-        </p:nvSpPr>
-        <p:spPr bwMode="auto">
-          <a:xfrm>
-            <a:off x="6880225" y="4546600"/>
-            <a:ext cx="271463" cy="331788"/>
-          </a:xfrm>
-          <a:prstGeom prst="cube">
-            <a:avLst>
-              <a:gd name="adj" fmla="val 25000"/>
-            </a:avLst>
-          </a:prstGeom>
-          <a:solidFill>
-            <a:srgbClr val="FFCC00"/>
-          </a:solidFill>
-          <a:ln w="9525">
-            <a:solidFill>
-              <a:schemeClr val="tx1"/>
-            </a:solidFill>
-            <a:miter lim="800000"/>
-            <a:headEnd/>
-            <a:tailEnd/>
-          </a:ln>
-        </p:spPr>
-        <p:txBody>
-          <a:bodyPr wrap="none" anchor="ctr">
-            <a:prstTxWarp prst="textNoShape">
-              <a:avLst/>
-            </a:prstTxWarp>
-          </a:bodyPr>
-          <a:lstStyle/>
-          <a:p>
-            <a:endParaRPr lang="en-US"/>
-          </a:p>
-        </p:txBody>
-      </p:sp>
-      <p:sp>
-        <p:nvSpPr>
-          <p:cNvPr id="69642" name="AutoShape 13"/>
-          <p:cNvSpPr>
-            <a:spLocks noChangeArrowheads="1"/>
-          </p:cNvSpPr>
-          <p:nvPr/>
-        </p:nvSpPr>
-        <p:spPr bwMode="auto">
-          <a:xfrm>
-            <a:off x="6743700" y="4586288"/>
-            <a:ext cx="271463" cy="547687"/>
-          </a:xfrm>
-          <a:prstGeom prst="cube">
-            <a:avLst>
-              <a:gd name="adj" fmla="val 25000"/>
-            </a:avLst>
-          </a:prstGeom>
-          <a:solidFill>
-            <a:schemeClr val="bg2"/>
-          </a:solidFill>
-          <a:ln w="9525">
-            <a:solidFill>
-              <a:srgbClr val="333333"/>
-            </a:solidFill>
-            <a:miter lim="800000"/>
-            <a:headEnd/>
-            <a:tailEnd/>
-          </a:ln>
-        </p:spPr>
-        <p:txBody>
-          <a:bodyPr wrap="none" anchor="ctr">
-            <a:prstTxWarp prst="textNoShape">
-              <a:avLst/>
-            </a:prstTxWarp>
-          </a:bodyPr>
-          <a:lstStyle/>
-          <a:p>
-            <a:endParaRPr lang="en-US"/>
-          </a:p>
-        </p:txBody>
-      </p:sp>
-      <p:sp>
-        <p:nvSpPr>
-          <p:cNvPr id="69643" name="AutoShape 14"/>
-          <p:cNvSpPr>
-            <a:spLocks noChangeArrowheads="1"/>
-          </p:cNvSpPr>
-          <p:nvPr/>
-        </p:nvSpPr>
-        <p:spPr bwMode="auto">
-          <a:xfrm>
-            <a:off x="7151688" y="4419600"/>
-            <a:ext cx="271462" cy="547688"/>
-          </a:xfrm>
-          <a:prstGeom prst="cube">
-            <a:avLst>
-              <a:gd name="adj" fmla="val 25000"/>
-            </a:avLst>
-          </a:prstGeom>
-          <a:solidFill>
-            <a:schemeClr val="bg2"/>
-          </a:solidFill>
-          <a:ln w="9525">
-            <a:solidFill>
-              <a:srgbClr val="333333"/>
-            </a:solidFill>
-            <a:miter lim="800000"/>
-            <a:headEnd/>
-            <a:tailEnd/>
-          </a:ln>
-        </p:spPr>
-        <p:txBody>
-          <a:bodyPr wrap="none" anchor="ctr">
-            <a:prstTxWarp prst="textNoShape">
-              <a:avLst/>
-            </a:prstTxWarp>
-          </a:bodyPr>
-          <a:lstStyle/>
-          <a:p>
-            <a:endParaRPr lang="en-US"/>
-          </a:p>
-        </p:txBody>
-      </p:sp>
-      <p:sp>
-        <p:nvSpPr>
-          <p:cNvPr id="69644" name="AutoShape 15"/>
-          <p:cNvSpPr>
-            <a:spLocks noChangeArrowheads="1"/>
-          </p:cNvSpPr>
-          <p:nvPr/>
-        </p:nvSpPr>
-        <p:spPr bwMode="auto">
-          <a:xfrm>
-            <a:off x="7015163" y="4586288"/>
-            <a:ext cx="271462" cy="547687"/>
-          </a:xfrm>
-          <a:prstGeom prst="cube">
-            <a:avLst>
-              <a:gd name="adj" fmla="val 25000"/>
-            </a:avLst>
-          </a:prstGeom>
-          <a:solidFill>
-            <a:schemeClr val="bg2"/>
-          </a:solidFill>
-          <a:ln w="9525">
-            <a:solidFill>
-              <a:srgbClr val="333333"/>
-            </a:solidFill>
-            <a:miter lim="800000"/>
-            <a:headEnd/>
-            <a:tailEnd/>
-          </a:ln>
-        </p:spPr>
-        <p:txBody>
-          <a:bodyPr wrap="none" anchor="ctr">
-            <a:prstTxWarp prst="textNoShape">
-              <a:avLst/>
-            </a:prstTxWarp>
-          </a:bodyPr>
-          <a:lstStyle/>
-          <a:p>
-            <a:endParaRPr lang="en-US"/>
-          </a:p>
-        </p:txBody>
-      </p:sp>
-      <p:pic>
-        <p:nvPicPr>
-          <p:cNvPr id="69645" name="Picture 16"/>
-          <p:cNvPicPr>
-            <a:picLocks noChangeAspect="1" noChangeArrowheads="1"/>
-          </p:cNvPicPr>
-          <p:nvPr/>
-        </p:nvPicPr>
-        <mc:AlternateContent>
-          <mc:Choice xmlns:ma="http://schemas.microsoft.com/office/mac/drawingml/2008/main" Requires="ma">
-            <p:blipFill>
-              <a:blip r:embed="rId2"/>
-              <a:srcRect/>
-              <a:stretch>
-                <a:fillRect/>
-              </a:stretch>
-            </p:blipFill>
-          </mc:Choice>
-          <mc:Fallback>
-            <p:blipFill>
-              <a:blip r:embed="rId3"/>
-              <a:srcRect/>
-              <a:stretch>
-                <a:fillRect/>
-              </a:stretch>
-            </p:blipFill>
-          </mc:Fallback>
-        </mc:AlternateContent>
-        <p:spPr bwMode="auto">
-          <a:xfrm>
-            <a:off x="2438400" y="2182813"/>
-            <a:ext cx="838200" cy="741362"/>
-          </a:xfrm>
-          <a:prstGeom prst="rect">
-            <a:avLst/>
-          </a:prstGeom>
-          <a:noFill/>
-          <a:ln w="9525">
-            <a:noFill/>
-            <a:miter lim="800000"/>
-            <a:headEnd/>
-            <a:tailEnd/>
-          </a:ln>
-        </p:spPr>
-      </p:pic>
-      <p:sp>
-        <p:nvSpPr>
-          <p:cNvPr id="69646" name="AutoShape 17"/>
-          <p:cNvSpPr>
-            <a:spLocks noChangeArrowheads="1"/>
-          </p:cNvSpPr>
-          <p:nvPr/>
-        </p:nvSpPr>
-        <p:spPr bwMode="auto">
-          <a:xfrm>
-            <a:off x="6586538" y="4356100"/>
-            <a:ext cx="685800" cy="444500"/>
-          </a:xfrm>
-          <a:prstGeom prst="roundRect">
-            <a:avLst>
-              <a:gd name="adj" fmla="val 16667"/>
-            </a:avLst>
-          </a:prstGeom>
-          <a:solidFill>
-            <a:schemeClr val="accent2"/>
-          </a:solidFill>
-          <a:ln w="9525">
-            <a:solidFill>
-              <a:srgbClr val="333333"/>
-            </a:solidFill>
-            <a:round/>
-            <a:headEnd/>
-            <a:tailEnd/>
-          </a:ln>
-        </p:spPr>
-        <p:txBody>
-          <a:bodyPr wrap="none" anchor="ctr">
-            <a:prstTxWarp prst="textNoShape">
-              <a:avLst/>
-            </a:prstTxWarp>
-          </a:bodyPr>
-          <a:lstStyle/>
-          <a:p>
-            <a:pPr algn="ctr"/>
-            <a:r>
-              <a:rPr lang="en-US" sz="1000">
-                <a:solidFill>
-                  <a:schemeClr val="bg1"/>
-                </a:solidFill>
-                <a:latin typeface="Times New Roman" charset="0"/>
-              </a:rPr>
-              <a:t>Reporter</a:t>
-            </a:r>
-          </a:p>
-          <a:p>
-            <a:pPr algn="ctr"/>
-            <a:r>
-              <a:rPr lang="en-US" sz="1000">
-                <a:solidFill>
-                  <a:schemeClr val="bg1"/>
-                </a:solidFill>
-                <a:latin typeface="Times New Roman" charset="0"/>
-              </a:rPr>
-              <a:t>Manager</a:t>
-            </a:r>
-          </a:p>
-        </p:txBody>
-      </p:sp>
-      <p:sp>
-        <p:nvSpPr>
-          <p:cNvPr id="69647" name="AutoShape 18"/>
-          <p:cNvSpPr>
-            <a:spLocks noChangeArrowheads="1"/>
-          </p:cNvSpPr>
-          <p:nvPr/>
-        </p:nvSpPr>
-        <p:spPr bwMode="auto">
-          <a:xfrm>
-            <a:off x="4800600" y="1752600"/>
-            <a:ext cx="762000" cy="604838"/>
-          </a:xfrm>
-          <a:prstGeom prst="can">
-            <a:avLst>
-              <a:gd name="adj" fmla="val 25000"/>
-            </a:avLst>
-          </a:prstGeom>
-          <a:solidFill>
-            <a:schemeClr val="accent2"/>
-          </a:solidFill>
-          <a:ln w="9525">
-            <a:solidFill>
-              <a:srgbClr val="333333"/>
-            </a:solidFill>
-            <a:round/>
-            <a:headEnd/>
-            <a:tailEnd/>
-          </a:ln>
-        </p:spPr>
-        <p:txBody>
-          <a:bodyPr wrap="none" anchor="ctr">
-            <a:prstTxWarp prst="textNoShape">
-              <a:avLst/>
-            </a:prstTxWarp>
-          </a:bodyPr>
-          <a:lstStyle/>
-          <a:p>
-            <a:pPr algn="ctr"/>
-            <a:r>
-              <a:rPr lang="en-US" sz="1000">
-                <a:solidFill>
-                  <a:schemeClr val="bg1"/>
-                </a:solidFill>
-                <a:latin typeface="Times New Roman" charset="0"/>
-              </a:rPr>
-              <a:t>Reporter</a:t>
-            </a:r>
-          </a:p>
-          <a:p>
-            <a:pPr algn="ctr"/>
-            <a:r>
-              <a:rPr lang="en-US" sz="1000">
-                <a:solidFill>
-                  <a:schemeClr val="bg1"/>
-                </a:solidFill>
-                <a:latin typeface="Times New Roman" charset="0"/>
-              </a:rPr>
-              <a:t>Repository</a:t>
-            </a:r>
-          </a:p>
-        </p:txBody>
-      </p:sp>
-      <p:sp>
-        <p:nvSpPr>
-          <p:cNvPr id="69648" name="AutoShape 19"/>
-          <p:cNvSpPr>
-            <a:spLocks noChangeArrowheads="1"/>
-          </p:cNvSpPr>
-          <p:nvPr/>
-        </p:nvSpPr>
-        <p:spPr bwMode="auto">
-          <a:xfrm>
-            <a:off x="4876800" y="2895600"/>
-            <a:ext cx="609600" cy="381000"/>
-          </a:xfrm>
-          <a:prstGeom prst="roundRect">
-            <a:avLst>
-              <a:gd name="adj" fmla="val 16667"/>
-            </a:avLst>
-          </a:prstGeom>
-          <a:solidFill>
-            <a:schemeClr val="accent2"/>
-          </a:solidFill>
-          <a:ln w="9525">
-            <a:solidFill>
-              <a:srgbClr val="333333"/>
-            </a:solidFill>
-            <a:round/>
-            <a:headEnd/>
-            <a:tailEnd/>
-          </a:ln>
-        </p:spPr>
-        <p:txBody>
-          <a:bodyPr wrap="none" anchor="ctr">
-            <a:prstTxWarp prst="textNoShape">
-              <a:avLst/>
-            </a:prstTxWarp>
-          </a:bodyPr>
-          <a:lstStyle/>
-          <a:p>
-            <a:pPr algn="ctr"/>
-            <a:r>
-              <a:rPr lang="en-US" sz="1000">
-                <a:solidFill>
-                  <a:schemeClr val="bg1"/>
-                </a:solidFill>
-                <a:latin typeface="Times New Roman" charset="0"/>
-              </a:rPr>
-              <a:t>Agent</a:t>
-            </a:r>
-            <a:endParaRPr lang="en-US" sz="1200">
-              <a:solidFill>
-                <a:schemeClr val="bg1"/>
-              </a:solidFill>
-              <a:latin typeface="Times New Roman" charset="0"/>
-            </a:endParaRPr>
-          </a:p>
-        </p:txBody>
-      </p:sp>
-      <p:sp>
-        <p:nvSpPr>
-          <p:cNvPr id="69649" name="AutoShape 20"/>
-          <p:cNvSpPr>
-            <a:spLocks noChangeArrowheads="1"/>
-          </p:cNvSpPr>
-          <p:nvPr/>
-        </p:nvSpPr>
-        <p:spPr bwMode="auto">
-          <a:xfrm>
-            <a:off x="6629400" y="2895600"/>
-            <a:ext cx="612775" cy="384175"/>
-          </a:xfrm>
-          <a:prstGeom prst="roundRect">
-            <a:avLst>
-              <a:gd name="adj" fmla="val 16667"/>
-            </a:avLst>
-          </a:prstGeom>
-          <a:solidFill>
-            <a:schemeClr val="accent2"/>
-          </a:solidFill>
-          <a:ln w="9525">
-            <a:solidFill>
-              <a:srgbClr val="333333"/>
-            </a:solidFill>
-            <a:round/>
-            <a:headEnd/>
-            <a:tailEnd/>
-          </a:ln>
-        </p:spPr>
-        <p:txBody>
-          <a:bodyPr wrap="none" anchor="ctr">
-            <a:prstTxWarp prst="textNoShape">
-              <a:avLst/>
-            </a:prstTxWarp>
-          </a:bodyPr>
-          <a:lstStyle/>
-          <a:p>
-            <a:pPr algn="ctr"/>
-            <a:r>
-              <a:rPr lang="en-US" sz="1000">
-                <a:solidFill>
-                  <a:schemeClr val="bg1"/>
-                </a:solidFill>
-                <a:latin typeface="Times New Roman" charset="0"/>
-              </a:rPr>
-              <a:t>Depot</a:t>
-            </a:r>
-          </a:p>
-        </p:txBody>
-      </p:sp>
-      <p:cxnSp>
-        <p:nvCxnSpPr>
-          <p:cNvPr id="69650" name="AutoShape 21"/>
-          <p:cNvCxnSpPr>
-            <a:cxnSpLocks noChangeShapeType="1"/>
-            <a:stCxn id="69664" idx="0"/>
-            <a:endCxn id="69649" idx="2"/>
-          </p:cNvCxnSpPr>
-          <p:nvPr/>
-        </p:nvCxnSpPr>
-        <p:spPr bwMode="auto">
-          <a:xfrm flipV="1">
-            <a:off x="5443538" y="3279775"/>
-            <a:ext cx="1492250" cy="1063625"/>
-          </a:xfrm>
-          <a:prstGeom prst="straightConnector1">
-            <a:avLst/>
-          </a:prstGeom>
-          <a:noFill/>
-          <a:ln w="12700">
-            <a:solidFill>
-              <a:srgbClr val="333333"/>
-            </a:solidFill>
-            <a:round/>
-            <a:headEnd/>
-            <a:tailEnd type="triangle" w="med" len="med"/>
-          </a:ln>
-        </p:spPr>
-      </p:cxnSp>
-      <p:cxnSp>
-        <p:nvCxnSpPr>
-          <p:cNvPr id="69651" name="AutoShape 22"/>
-          <p:cNvCxnSpPr>
-            <a:cxnSpLocks noChangeShapeType="1"/>
-            <a:stCxn id="69648" idx="2"/>
-            <a:endCxn id="69646" idx="0"/>
-          </p:cNvCxnSpPr>
-          <p:nvPr/>
-        </p:nvCxnSpPr>
-        <p:spPr bwMode="auto">
-          <a:xfrm>
-            <a:off x="5181600" y="3276600"/>
-            <a:ext cx="1747838" cy="1079500"/>
-          </a:xfrm>
-          <a:prstGeom prst="straightConnector1">
-            <a:avLst/>
-          </a:prstGeom>
-          <a:noFill/>
-          <a:ln w="12700">
-            <a:solidFill>
-              <a:srgbClr val="333333"/>
-            </a:solidFill>
-            <a:round/>
-            <a:headEnd/>
-            <a:tailEnd type="triangle" w="med" len="med"/>
-          </a:ln>
-        </p:spPr>
-      </p:cxnSp>
-      <p:sp>
-        <p:nvSpPr>
-          <p:cNvPr id="69652" name="Oval 23"/>
-          <p:cNvSpPr>
-            <a:spLocks noChangeArrowheads="1"/>
-          </p:cNvSpPr>
-          <p:nvPr/>
-        </p:nvSpPr>
-        <p:spPr bwMode="auto">
-          <a:xfrm>
-            <a:off x="5837238" y="3657600"/>
-            <a:ext cx="182562" cy="182563"/>
-          </a:xfrm>
-          <a:prstGeom prst="ellipse">
-            <a:avLst/>
-          </a:prstGeom>
-          <a:solidFill>
-            <a:srgbClr val="EFD9B2"/>
-          </a:solidFill>
-          <a:ln w="9525">
-            <a:solidFill>
-              <a:srgbClr val="333333"/>
-            </a:solidFill>
-            <a:round/>
-            <a:headEnd/>
-            <a:tailEnd/>
-          </a:ln>
-        </p:spPr>
-        <p:txBody>
-          <a:bodyPr wrap="none" anchor="ctr">
-            <a:prstTxWarp prst="textNoShape">
-              <a:avLst/>
-            </a:prstTxWarp>
-          </a:bodyPr>
-          <a:lstStyle/>
-          <a:p>
-            <a:pPr algn="ctr"/>
-            <a:r>
-              <a:rPr lang="en-US" sz="900">
-                <a:solidFill>
-                  <a:srgbClr val="4C4C4C"/>
-                </a:solidFill>
-                <a:latin typeface="Times New Roman" charset="0"/>
-              </a:rPr>
-              <a:t>R</a:t>
-            </a:r>
-          </a:p>
-        </p:txBody>
-      </p:sp>
-      <p:cxnSp>
-        <p:nvCxnSpPr>
-          <p:cNvPr id="69653" name="AutoShape 24"/>
-          <p:cNvCxnSpPr>
-            <a:cxnSpLocks noChangeShapeType="1"/>
-            <a:stCxn id="69648" idx="2"/>
-            <a:endCxn id="69664" idx="0"/>
-          </p:cNvCxnSpPr>
-          <p:nvPr/>
-        </p:nvCxnSpPr>
-        <p:spPr bwMode="auto">
-          <a:xfrm>
-            <a:off x="5181600" y="3276600"/>
-            <a:ext cx="261938" cy="1066800"/>
-          </a:xfrm>
-          <a:prstGeom prst="straightConnector1">
-            <a:avLst/>
-          </a:prstGeom>
-          <a:noFill/>
-          <a:ln w="12700">
-            <a:solidFill>
-              <a:srgbClr val="333333"/>
-            </a:solidFill>
-            <a:round/>
-            <a:headEnd/>
-            <a:tailEnd type="triangle" w="med" len="med"/>
-          </a:ln>
-        </p:spPr>
-      </p:cxnSp>
-      <p:cxnSp>
-        <p:nvCxnSpPr>
-          <p:cNvPr id="69654" name="AutoShape 25"/>
-          <p:cNvCxnSpPr>
-            <a:cxnSpLocks noChangeShapeType="1"/>
-            <a:stCxn id="69646" idx="0"/>
-            <a:endCxn id="69649" idx="2"/>
-          </p:cNvCxnSpPr>
-          <p:nvPr/>
-        </p:nvCxnSpPr>
-        <p:spPr bwMode="auto">
-          <a:xfrm flipV="1">
-            <a:off x="6929438" y="3279775"/>
-            <a:ext cx="6350" cy="1076325"/>
-          </a:xfrm>
-          <a:prstGeom prst="straightConnector1">
-            <a:avLst/>
-          </a:prstGeom>
-          <a:noFill/>
-          <a:ln w="12700">
-            <a:solidFill>
-              <a:srgbClr val="333333"/>
-            </a:solidFill>
-            <a:round/>
-            <a:headEnd/>
-            <a:tailEnd type="triangle" w="med" len="med"/>
-          </a:ln>
-        </p:spPr>
-      </p:cxnSp>
-      <p:cxnSp>
-        <p:nvCxnSpPr>
-          <p:cNvPr id="69655" name="AutoShape 26"/>
-          <p:cNvCxnSpPr>
-            <a:cxnSpLocks noChangeShapeType="1"/>
-            <a:stCxn id="69649" idx="0"/>
-            <a:endCxn id="69656" idx="2"/>
-          </p:cNvCxnSpPr>
-          <p:nvPr/>
-        </p:nvCxnSpPr>
-        <p:spPr bwMode="auto">
-          <a:xfrm flipH="1" flipV="1">
-            <a:off x="6934200" y="2667000"/>
-            <a:ext cx="1588" cy="228600"/>
-          </a:xfrm>
-          <a:prstGeom prst="straightConnector1">
-            <a:avLst/>
-          </a:prstGeom>
-          <a:noFill/>
-          <a:ln w="12700">
-            <a:solidFill>
-              <a:srgbClr val="333333"/>
-            </a:solidFill>
-            <a:round/>
-            <a:headEnd/>
-            <a:tailEnd type="triangle" w="med" len="med"/>
-          </a:ln>
-        </p:spPr>
-      </p:cxnSp>
-      <p:sp>
-        <p:nvSpPr>
-          <p:cNvPr id="69656" name="Rectangle 27"/>
-          <p:cNvSpPr>
-            <a:spLocks noChangeArrowheads="1"/>
-          </p:cNvSpPr>
-          <p:nvPr/>
-        </p:nvSpPr>
-        <p:spPr bwMode="auto">
-          <a:xfrm>
-            <a:off x="6248400" y="2362200"/>
-            <a:ext cx="1371600" cy="304800"/>
-          </a:xfrm>
-          <a:prstGeom prst="rect">
-            <a:avLst/>
-          </a:prstGeom>
-          <a:solidFill>
-            <a:schemeClr val="accent2"/>
-          </a:solidFill>
-          <a:ln w="9525">
-            <a:solidFill>
-              <a:srgbClr val="333333"/>
-            </a:solidFill>
-            <a:miter lim="800000"/>
-            <a:headEnd/>
-            <a:tailEnd/>
-          </a:ln>
-        </p:spPr>
-        <p:txBody>
-          <a:bodyPr wrap="none" anchor="ctr">
-            <a:prstTxWarp prst="textNoShape">
-              <a:avLst/>
-            </a:prstTxWarp>
-          </a:bodyPr>
-          <a:lstStyle/>
-          <a:p>
-            <a:pPr algn="ctr"/>
-            <a:r>
-              <a:rPr lang="en-US" sz="1000">
-                <a:solidFill>
-                  <a:schemeClr val="bg1"/>
-                </a:solidFill>
-                <a:latin typeface="Times New Roman" charset="0"/>
-              </a:rPr>
-              <a:t>Data Consumers</a:t>
-            </a:r>
-          </a:p>
-        </p:txBody>
-      </p:sp>
-      <p:sp>
-        <p:nvSpPr>
-          <p:cNvPr id="69657" name="Text Box 28"/>
-          <p:cNvSpPr txBox="1">
-            <a:spLocks noChangeArrowheads="1"/>
-          </p:cNvSpPr>
-          <p:nvPr/>
-        </p:nvSpPr>
-        <p:spPr bwMode="auto">
-          <a:xfrm>
-            <a:off x="4895850" y="5167313"/>
-            <a:ext cx="920750" cy="244475"/>
-          </a:xfrm>
-          <a:prstGeom prst="rect">
-            <a:avLst/>
-          </a:prstGeom>
-          <a:noFill/>
-          <a:ln w="9525">
-            <a:noFill/>
-            <a:miter lim="800000"/>
-            <a:headEnd/>
-            <a:tailEnd/>
-          </a:ln>
-        </p:spPr>
-        <p:txBody>
-          <a:bodyPr wrap="none">
-            <a:prstTxWarp prst="textNoShape">
-              <a:avLst/>
-            </a:prstTxWarp>
-            <a:spAutoFit/>
-          </a:bodyPr>
-          <a:lstStyle/>
-          <a:p>
-            <a:r>
-              <a:rPr lang="en-US" sz="1000">
-                <a:solidFill>
-                  <a:srgbClr val="4C4C4C"/>
-                </a:solidFill>
-                <a:latin typeface="Times New Roman" charset="0"/>
-              </a:rPr>
-              <a:t>Grid Resource</a:t>
-            </a:r>
-          </a:p>
-        </p:txBody>
-      </p:sp>
-      <p:sp>
-        <p:nvSpPr>
-          <p:cNvPr id="69658" name="AutoShape 29"/>
-          <p:cNvSpPr>
-            <a:spLocks noChangeArrowheads="1"/>
-          </p:cNvSpPr>
-          <p:nvPr/>
-        </p:nvSpPr>
-        <p:spPr bwMode="auto">
-          <a:xfrm>
-            <a:off x="5122863" y="4533900"/>
-            <a:ext cx="271462" cy="331788"/>
-          </a:xfrm>
-          <a:prstGeom prst="cube">
-            <a:avLst>
-              <a:gd name="adj" fmla="val 25000"/>
-            </a:avLst>
-          </a:prstGeom>
-          <a:solidFill>
-            <a:srgbClr val="FFCC00"/>
-          </a:solidFill>
-          <a:ln w="9525">
-            <a:solidFill>
-              <a:schemeClr val="tx1"/>
-            </a:solidFill>
-            <a:miter lim="800000"/>
-            <a:headEnd/>
-            <a:tailEnd/>
-          </a:ln>
-        </p:spPr>
-        <p:txBody>
-          <a:bodyPr wrap="none" anchor="ctr">
-            <a:prstTxWarp prst="textNoShape">
-              <a:avLst/>
-            </a:prstTxWarp>
-          </a:bodyPr>
-          <a:lstStyle/>
-          <a:p>
-            <a:endParaRPr lang="en-US"/>
-          </a:p>
-        </p:txBody>
-      </p:sp>
-      <p:sp>
-        <p:nvSpPr>
-          <p:cNvPr id="69659" name="AutoShape 30"/>
-          <p:cNvSpPr>
-            <a:spLocks noChangeArrowheads="1"/>
-          </p:cNvSpPr>
-          <p:nvPr/>
-        </p:nvSpPr>
-        <p:spPr bwMode="auto">
-          <a:xfrm>
-            <a:off x="4986338" y="4586288"/>
-            <a:ext cx="271462" cy="547687"/>
-          </a:xfrm>
-          <a:prstGeom prst="cube">
-            <a:avLst>
-              <a:gd name="adj" fmla="val 25000"/>
-            </a:avLst>
-          </a:prstGeom>
-          <a:solidFill>
-            <a:schemeClr val="bg2"/>
-          </a:solidFill>
-          <a:ln w="9525">
-            <a:solidFill>
-              <a:srgbClr val="333333"/>
-            </a:solidFill>
-            <a:miter lim="800000"/>
-            <a:headEnd/>
-            <a:tailEnd/>
-          </a:ln>
-        </p:spPr>
-        <p:txBody>
-          <a:bodyPr wrap="none" anchor="ctr">
-            <a:prstTxWarp prst="textNoShape">
-              <a:avLst/>
-            </a:prstTxWarp>
-          </a:bodyPr>
-          <a:lstStyle/>
-          <a:p>
-            <a:endParaRPr lang="en-US"/>
-          </a:p>
-        </p:txBody>
-      </p:sp>
-      <p:sp>
-        <p:nvSpPr>
-          <p:cNvPr id="69660" name="AutoShape 31"/>
-          <p:cNvSpPr>
-            <a:spLocks noChangeArrowheads="1"/>
-          </p:cNvSpPr>
-          <p:nvPr/>
-        </p:nvSpPr>
-        <p:spPr bwMode="auto">
-          <a:xfrm>
-            <a:off x="5394325" y="4533900"/>
-            <a:ext cx="271463" cy="331788"/>
-          </a:xfrm>
-          <a:prstGeom prst="cube">
-            <a:avLst>
-              <a:gd name="adj" fmla="val 25000"/>
-            </a:avLst>
-          </a:prstGeom>
-          <a:solidFill>
-            <a:srgbClr val="FFCC00"/>
-          </a:solidFill>
-          <a:ln w="9525">
-            <a:solidFill>
-              <a:schemeClr val="tx1"/>
-            </a:solidFill>
-            <a:miter lim="800000"/>
-            <a:headEnd/>
-            <a:tailEnd/>
-          </a:ln>
-        </p:spPr>
-        <p:txBody>
-          <a:bodyPr wrap="none" anchor="ctr">
-            <a:prstTxWarp prst="textNoShape">
-              <a:avLst/>
-            </a:prstTxWarp>
-          </a:bodyPr>
-          <a:lstStyle/>
-          <a:p>
-            <a:endParaRPr lang="en-US"/>
-          </a:p>
-        </p:txBody>
-      </p:sp>
-      <p:sp>
-        <p:nvSpPr>
-          <p:cNvPr id="69661" name="AutoShape 32"/>
-          <p:cNvSpPr>
-            <a:spLocks noChangeArrowheads="1"/>
-          </p:cNvSpPr>
-          <p:nvPr/>
-        </p:nvSpPr>
-        <p:spPr bwMode="auto">
-          <a:xfrm>
-            <a:off x="5257800" y="4586288"/>
-            <a:ext cx="271463" cy="547687"/>
-          </a:xfrm>
-          <a:prstGeom prst="cube">
-            <a:avLst>
-              <a:gd name="adj" fmla="val 25000"/>
-            </a:avLst>
-          </a:prstGeom>
-          <a:solidFill>
-            <a:schemeClr val="bg2"/>
-          </a:solidFill>
-          <a:ln w="9525">
-            <a:solidFill>
-              <a:srgbClr val="333333"/>
-            </a:solidFill>
-            <a:miter lim="800000"/>
-            <a:headEnd/>
-            <a:tailEnd/>
-          </a:ln>
-        </p:spPr>
-        <p:txBody>
-          <a:bodyPr wrap="none" anchor="ctr">
-            <a:prstTxWarp prst="textNoShape">
-              <a:avLst/>
-            </a:prstTxWarp>
-          </a:bodyPr>
-          <a:lstStyle/>
-          <a:p>
-            <a:endParaRPr lang="en-US"/>
-          </a:p>
-        </p:txBody>
-      </p:sp>
-      <p:sp>
-        <p:nvSpPr>
-          <p:cNvPr id="69662" name="AutoShape 33"/>
-          <p:cNvSpPr>
-            <a:spLocks noChangeArrowheads="1"/>
-          </p:cNvSpPr>
-          <p:nvPr/>
-        </p:nvSpPr>
-        <p:spPr bwMode="auto">
-          <a:xfrm>
-            <a:off x="5665788" y="4419600"/>
-            <a:ext cx="271462" cy="547688"/>
-          </a:xfrm>
-          <a:prstGeom prst="cube">
-            <a:avLst>
-              <a:gd name="adj" fmla="val 25000"/>
-            </a:avLst>
-          </a:prstGeom>
-          <a:solidFill>
-            <a:schemeClr val="bg2"/>
-          </a:solidFill>
-          <a:ln w="9525">
-            <a:solidFill>
-              <a:srgbClr val="333333"/>
-            </a:solidFill>
-            <a:miter lim="800000"/>
-            <a:headEnd/>
-            <a:tailEnd/>
-          </a:ln>
-        </p:spPr>
-        <p:txBody>
-          <a:bodyPr wrap="none" anchor="ctr">
-            <a:prstTxWarp prst="textNoShape">
-              <a:avLst/>
-            </a:prstTxWarp>
-          </a:bodyPr>
-          <a:lstStyle/>
-          <a:p>
-            <a:endParaRPr lang="en-US"/>
-          </a:p>
-        </p:txBody>
-      </p:sp>
-      <p:sp>
-        <p:nvSpPr>
-          <p:cNvPr id="69663" name="AutoShape 34"/>
-          <p:cNvSpPr>
-            <a:spLocks noChangeArrowheads="1"/>
-          </p:cNvSpPr>
-          <p:nvPr/>
-        </p:nvSpPr>
-        <p:spPr bwMode="auto">
-          <a:xfrm>
-            <a:off x="5529263" y="4586288"/>
-            <a:ext cx="271462" cy="547687"/>
-          </a:xfrm>
-          <a:prstGeom prst="cube">
-            <a:avLst>
-              <a:gd name="adj" fmla="val 25000"/>
-            </a:avLst>
-          </a:prstGeom>
-          <a:solidFill>
-            <a:schemeClr val="bg2"/>
-          </a:solidFill>
-          <a:ln w="9525">
-            <a:solidFill>
-              <a:srgbClr val="333333"/>
-            </a:solidFill>
-            <a:miter lim="800000"/>
-            <a:headEnd/>
-            <a:tailEnd/>
-          </a:ln>
-        </p:spPr>
-        <p:txBody>
-          <a:bodyPr wrap="none" anchor="ctr">
-            <a:prstTxWarp prst="textNoShape">
-              <a:avLst/>
-            </a:prstTxWarp>
-          </a:bodyPr>
-          <a:lstStyle/>
-          <a:p>
-            <a:endParaRPr lang="en-US"/>
-          </a:p>
-        </p:txBody>
-      </p:sp>
-      <p:sp>
-        <p:nvSpPr>
-          <p:cNvPr id="69664" name="AutoShape 35"/>
-          <p:cNvSpPr>
-            <a:spLocks noChangeArrowheads="1"/>
-          </p:cNvSpPr>
-          <p:nvPr/>
-        </p:nvSpPr>
-        <p:spPr bwMode="auto">
-          <a:xfrm>
-            <a:off x="5100638" y="4343400"/>
-            <a:ext cx="685800" cy="457200"/>
-          </a:xfrm>
-          <a:prstGeom prst="roundRect">
-            <a:avLst>
-              <a:gd name="adj" fmla="val 16667"/>
-            </a:avLst>
-          </a:prstGeom>
-          <a:solidFill>
-            <a:schemeClr val="accent2"/>
-          </a:solidFill>
-          <a:ln w="9525">
-            <a:solidFill>
-              <a:srgbClr val="333333"/>
-            </a:solidFill>
-            <a:round/>
-            <a:headEnd/>
-            <a:tailEnd/>
-          </a:ln>
-        </p:spPr>
-        <p:txBody>
-          <a:bodyPr wrap="none" anchor="ctr">
-            <a:prstTxWarp prst="textNoShape">
-              <a:avLst/>
-            </a:prstTxWarp>
-          </a:bodyPr>
-          <a:lstStyle/>
-          <a:p>
-            <a:pPr algn="ctr"/>
-            <a:r>
-              <a:rPr lang="en-US" sz="1000">
-                <a:solidFill>
-                  <a:schemeClr val="bg1"/>
-                </a:solidFill>
-                <a:latin typeface="Times New Roman" charset="0"/>
-              </a:rPr>
-              <a:t>Reporter</a:t>
-            </a:r>
-          </a:p>
-          <a:p>
-            <a:pPr algn="ctr"/>
-            <a:r>
-              <a:rPr lang="en-US" sz="1000">
-                <a:solidFill>
-                  <a:schemeClr val="bg1"/>
-                </a:solidFill>
-                <a:latin typeface="Times New Roman" charset="0"/>
-              </a:rPr>
-              <a:t>Manager</a:t>
-            </a:r>
-          </a:p>
-        </p:txBody>
-      </p:sp>
-      <p:sp>
-        <p:nvSpPr>
-          <p:cNvPr id="69665" name="Oval 36"/>
-          <p:cNvSpPr>
-            <a:spLocks noChangeArrowheads="1"/>
-          </p:cNvSpPr>
-          <p:nvPr/>
-        </p:nvSpPr>
-        <p:spPr bwMode="auto">
-          <a:xfrm>
-            <a:off x="5257800" y="3886200"/>
-            <a:ext cx="182563" cy="182563"/>
-          </a:xfrm>
-          <a:prstGeom prst="ellipse">
-            <a:avLst/>
-          </a:prstGeom>
-          <a:solidFill>
-            <a:srgbClr val="EFD9B2"/>
-          </a:solidFill>
-          <a:ln w="9525">
-            <a:solidFill>
-              <a:srgbClr val="333333"/>
-            </a:solidFill>
-            <a:round/>
-            <a:headEnd/>
-            <a:tailEnd/>
-          </a:ln>
-        </p:spPr>
-        <p:txBody>
-          <a:bodyPr wrap="none" anchor="ctr">
-            <a:prstTxWarp prst="textNoShape">
-              <a:avLst/>
-            </a:prstTxWarp>
-          </a:bodyPr>
-          <a:lstStyle/>
-          <a:p>
-            <a:pPr algn="ctr"/>
-            <a:r>
-              <a:rPr lang="en-US" sz="900">
-                <a:solidFill>
-                  <a:srgbClr val="4C4C4C"/>
-                </a:solidFill>
-                <a:latin typeface="Times New Roman" charset="0"/>
-              </a:rPr>
-              <a:t>R</a:t>
-            </a:r>
-          </a:p>
-        </p:txBody>
-      </p:sp>
-      <p:cxnSp>
-        <p:nvCxnSpPr>
-          <p:cNvPr id="69666" name="AutoShape 37"/>
-          <p:cNvCxnSpPr>
-            <a:cxnSpLocks noChangeShapeType="1"/>
-            <a:stCxn id="69647" idx="3"/>
-            <a:endCxn id="69648" idx="0"/>
-          </p:cNvCxnSpPr>
-          <p:nvPr/>
-        </p:nvCxnSpPr>
-        <p:spPr bwMode="auto">
-          <a:xfrm>
-            <a:off x="5181600" y="2357438"/>
-            <a:ext cx="0" cy="538162"/>
-          </a:xfrm>
-          <a:prstGeom prst="straightConnector1">
-            <a:avLst/>
-          </a:prstGeom>
-          <a:noFill/>
-          <a:ln w="12700">
-            <a:solidFill>
-              <a:srgbClr val="333333"/>
-            </a:solidFill>
-            <a:round/>
-            <a:headEnd/>
-            <a:tailEnd type="triangle" w="med" len="med"/>
-          </a:ln>
-        </p:spPr>
-      </p:cxnSp>
-      <p:cxnSp>
-        <p:nvCxnSpPr>
-          <p:cNvPr id="69667" name="AutoShape 38"/>
-          <p:cNvCxnSpPr>
-            <a:cxnSpLocks noChangeShapeType="1"/>
-            <a:stCxn id="69676" idx="3"/>
-            <a:endCxn id="69648" idx="1"/>
-          </p:cNvCxnSpPr>
-          <p:nvPr/>
-        </p:nvCxnSpPr>
-        <p:spPr bwMode="auto">
-          <a:xfrm>
-            <a:off x="3581400" y="2814638"/>
-            <a:ext cx="1295400" cy="271462"/>
-          </a:xfrm>
-          <a:prstGeom prst="straightConnector1">
-            <a:avLst/>
-          </a:prstGeom>
-          <a:noFill/>
-          <a:ln w="12700">
-            <a:solidFill>
-              <a:srgbClr val="333333"/>
-            </a:solidFill>
-            <a:round/>
-            <a:headEnd/>
-            <a:tailEnd type="triangle" w="med" len="med"/>
-          </a:ln>
-        </p:spPr>
-      </p:cxnSp>
-      <p:sp>
-        <p:nvSpPr>
-          <p:cNvPr id="69668" name="Oval 39"/>
-          <p:cNvSpPr>
-            <a:spLocks noChangeArrowheads="1"/>
-          </p:cNvSpPr>
-          <p:nvPr/>
-        </p:nvSpPr>
-        <p:spPr bwMode="auto">
-          <a:xfrm>
-            <a:off x="5075238" y="2514600"/>
-            <a:ext cx="182562" cy="182563"/>
-          </a:xfrm>
-          <a:prstGeom prst="ellipse">
-            <a:avLst/>
-          </a:prstGeom>
-          <a:solidFill>
-            <a:srgbClr val="EFD9B2"/>
-          </a:solidFill>
-          <a:ln w="9525">
-            <a:solidFill>
-              <a:srgbClr val="333333"/>
-            </a:solidFill>
-            <a:round/>
-            <a:headEnd/>
-            <a:tailEnd/>
-          </a:ln>
-        </p:spPr>
-        <p:txBody>
-          <a:bodyPr wrap="none" anchor="ctr">
-            <a:prstTxWarp prst="textNoShape">
-              <a:avLst/>
-            </a:prstTxWarp>
-          </a:bodyPr>
-          <a:lstStyle/>
-          <a:p>
-            <a:pPr algn="ctr"/>
-            <a:r>
-              <a:rPr lang="en-US" sz="900">
-                <a:solidFill>
-                  <a:srgbClr val="4C4C4C"/>
-                </a:solidFill>
-                <a:latin typeface="Times New Roman" charset="0"/>
-              </a:rPr>
-              <a:t>R</a:t>
-            </a:r>
-          </a:p>
-        </p:txBody>
-      </p:sp>
-      <p:sp>
-        <p:nvSpPr>
-          <p:cNvPr id="69669" name="AutoShape 40"/>
-          <p:cNvSpPr>
-            <a:spLocks noChangeArrowheads="1"/>
-          </p:cNvSpPr>
-          <p:nvPr/>
-        </p:nvSpPr>
-        <p:spPr bwMode="auto">
-          <a:xfrm>
-            <a:off x="4084638" y="2819400"/>
-            <a:ext cx="182562" cy="182563"/>
-          </a:xfrm>
-          <a:prstGeom prst="foldedCorner">
-            <a:avLst>
-              <a:gd name="adj" fmla="val 12500"/>
-            </a:avLst>
-          </a:prstGeom>
-          <a:solidFill>
-            <a:srgbClr val="EFD9B2"/>
-          </a:solidFill>
-          <a:ln w="9525">
-            <a:solidFill>
-              <a:srgbClr val="333333"/>
-            </a:solidFill>
-            <a:round/>
-            <a:headEnd/>
-            <a:tailEnd/>
-          </a:ln>
-        </p:spPr>
-        <p:txBody>
-          <a:bodyPr anchor="ctr">
-            <a:prstTxWarp prst="textNoShape">
-              <a:avLst/>
-            </a:prstTxWarp>
-          </a:bodyPr>
-          <a:lstStyle/>
-          <a:p>
-            <a:pPr algn="ctr"/>
-            <a:r>
-              <a:rPr lang="en-US" sz="900">
-                <a:solidFill>
-                  <a:srgbClr val="4C4C4C"/>
-                </a:solidFill>
-                <a:latin typeface="Times New Roman" charset="0"/>
-              </a:rPr>
-              <a:t>C</a:t>
-            </a:r>
-          </a:p>
-        </p:txBody>
-      </p:sp>
-      <p:sp>
-        <p:nvSpPr>
-          <p:cNvPr id="69670" name="AutoShape 41"/>
-          <p:cNvSpPr>
-            <a:spLocks noChangeArrowheads="1"/>
-          </p:cNvSpPr>
-          <p:nvPr/>
-        </p:nvSpPr>
-        <p:spPr bwMode="auto">
-          <a:xfrm>
-            <a:off x="2228850" y="3810000"/>
-            <a:ext cx="514350" cy="425450"/>
-          </a:xfrm>
-          <a:prstGeom prst="roundRect">
-            <a:avLst>
-              <a:gd name="adj" fmla="val 9602"/>
-            </a:avLst>
-          </a:prstGeom>
-          <a:solidFill>
-            <a:schemeClr val="accent1"/>
-          </a:solidFill>
-          <a:ln w="9525">
-            <a:noFill/>
-            <a:round/>
-            <a:headEnd/>
-            <a:tailEnd/>
-          </a:ln>
-        </p:spPr>
-        <p:txBody>
-          <a:bodyPr wrap="none" anchor="ctr">
-            <a:prstTxWarp prst="textNoShape">
-              <a:avLst/>
-            </a:prstTxWarp>
-          </a:bodyPr>
-          <a:lstStyle/>
-          <a:p>
-            <a:endParaRPr lang="en-US"/>
-          </a:p>
-        </p:txBody>
-      </p:sp>
-      <p:sp>
-        <p:nvSpPr>
-          <p:cNvPr id="69671" name="Text Box 42"/>
-          <p:cNvSpPr txBox="1">
-            <a:spLocks noChangeArrowheads="1"/>
-          </p:cNvSpPr>
-          <p:nvPr/>
-        </p:nvSpPr>
-        <p:spPr bwMode="auto">
-          <a:xfrm>
-            <a:off x="2743200" y="3733800"/>
-            <a:ext cx="2057400" cy="1905000"/>
-          </a:xfrm>
-          <a:prstGeom prst="rect">
-            <a:avLst/>
-          </a:prstGeom>
-          <a:noFill/>
-          <a:ln w="9525">
-            <a:noFill/>
-            <a:miter lim="800000"/>
-            <a:headEnd/>
-            <a:tailEnd/>
-          </a:ln>
-        </p:spPr>
-        <p:txBody>
-          <a:bodyPr>
-            <a:prstTxWarp prst="textNoShape">
-              <a:avLst/>
-            </a:prstTxWarp>
-          </a:bodyPr>
-          <a:lstStyle/>
-          <a:p>
-            <a:r>
-              <a:rPr lang="en-US" sz="1000">
-                <a:solidFill>
-                  <a:schemeClr val="accent2"/>
-                </a:solidFill>
-                <a:latin typeface="Times New Roman" charset="0"/>
-              </a:rPr>
-              <a:t>Server Components:</a:t>
-            </a:r>
-          </a:p>
-          <a:p>
-            <a:r>
-              <a:rPr lang="en-US" sz="1000">
-                <a:solidFill>
-                  <a:srgbClr val="4C4C4C"/>
-                </a:solidFill>
-                <a:latin typeface="Times New Roman" charset="0"/>
-              </a:rPr>
-              <a:t>Centrally manage, store and display reporter results</a:t>
-            </a:r>
-          </a:p>
-          <a:p>
-            <a:endParaRPr lang="en-US" sz="1000">
-              <a:solidFill>
-                <a:srgbClr val="4C4C4C"/>
-              </a:solidFill>
-              <a:latin typeface="Times New Roman" charset="0"/>
-            </a:endParaRPr>
-          </a:p>
-          <a:p>
-            <a:r>
-              <a:rPr lang="en-US" sz="1000">
-                <a:solidFill>
-                  <a:schemeClr val="accent2"/>
-                </a:solidFill>
-                <a:latin typeface="Times New Roman" charset="0"/>
-              </a:rPr>
-              <a:t>Inca GUI:</a:t>
-            </a:r>
-          </a:p>
-          <a:p>
-            <a:pPr>
-              <a:spcAft>
-                <a:spcPct val="50000"/>
-              </a:spcAft>
-            </a:pPr>
-            <a:r>
-              <a:rPr lang="en-US" sz="1000">
-                <a:solidFill>
-                  <a:srgbClr val="4C4C4C"/>
-                </a:solidFill>
-                <a:latin typeface="Times New Roman" charset="0"/>
-              </a:rPr>
-              <a:t>Configure reporters</a:t>
-            </a:r>
-          </a:p>
-          <a:p>
-            <a:endParaRPr lang="en-US" sz="1000">
-              <a:solidFill>
-                <a:srgbClr val="4C4C4C"/>
-              </a:solidFill>
-              <a:latin typeface="Times New Roman" charset="0"/>
-            </a:endParaRPr>
-          </a:p>
-          <a:p>
-            <a:r>
-              <a:rPr lang="en-US" sz="1000">
-                <a:solidFill>
-                  <a:schemeClr val="accent2"/>
-                </a:solidFill>
-                <a:latin typeface="Times New Roman" charset="0"/>
-              </a:rPr>
-              <a:t>Reporter Managers:</a:t>
-            </a:r>
-          </a:p>
-          <a:p>
-            <a:r>
-              <a:rPr lang="en-US" sz="1000">
-                <a:solidFill>
-                  <a:srgbClr val="4C4C4C"/>
-                </a:solidFill>
-                <a:latin typeface="Times New Roman" charset="0"/>
-              </a:rPr>
-              <a:t>Execute reporters</a:t>
-            </a:r>
-            <a:endParaRPr lang="en-US" sz="1000">
-              <a:solidFill>
-                <a:schemeClr val="accent2"/>
-              </a:solidFill>
-              <a:latin typeface="Times New Roman" charset="0"/>
-            </a:endParaRPr>
-          </a:p>
-        </p:txBody>
-      </p:sp>
-      <p:sp>
-        <p:nvSpPr>
-          <p:cNvPr id="69672" name="Text Box 43"/>
-          <p:cNvSpPr txBox="1">
-            <a:spLocks noChangeArrowheads="1"/>
-          </p:cNvSpPr>
-          <p:nvPr/>
-        </p:nvSpPr>
-        <p:spPr bwMode="auto">
-          <a:xfrm>
-            <a:off x="2160588" y="3505200"/>
-            <a:ext cx="2640012" cy="260350"/>
-          </a:xfrm>
-          <a:prstGeom prst="rect">
-            <a:avLst/>
-          </a:prstGeom>
-          <a:noFill/>
-          <a:ln w="9525">
-            <a:noFill/>
-            <a:miter lim="800000"/>
-            <a:headEnd/>
-            <a:tailEnd/>
-          </a:ln>
-        </p:spPr>
-        <p:txBody>
-          <a:bodyPr>
-            <a:prstTxWarp prst="textNoShape">
-              <a:avLst/>
-            </a:prstTxWarp>
-            <a:spAutoFit/>
-          </a:bodyPr>
-          <a:lstStyle/>
-          <a:p>
-            <a:r>
-              <a:rPr lang="en-US" sz="1100">
-                <a:solidFill>
-                  <a:srgbClr val="4C4C4C"/>
-                </a:solidFill>
-                <a:latin typeface="Times New Roman" charset="0"/>
-              </a:rPr>
-              <a:t>A typical Inca installation</a:t>
-            </a:r>
-          </a:p>
-        </p:txBody>
-      </p:sp>
-      <p:sp>
-        <p:nvSpPr>
-          <p:cNvPr id="69673" name="AutoShape 44"/>
-          <p:cNvSpPr>
-            <a:spLocks noChangeArrowheads="1"/>
-          </p:cNvSpPr>
-          <p:nvPr/>
-        </p:nvSpPr>
-        <p:spPr bwMode="auto">
-          <a:xfrm>
-            <a:off x="2228850" y="4419600"/>
-            <a:ext cx="514350" cy="425450"/>
-          </a:xfrm>
-          <a:prstGeom prst="roundRect">
-            <a:avLst>
-              <a:gd name="adj" fmla="val 9602"/>
-            </a:avLst>
-          </a:prstGeom>
-          <a:solidFill>
-            <a:srgbClr val="AAD1F5"/>
-          </a:solidFill>
-          <a:ln w="9525">
-            <a:noFill/>
-            <a:round/>
-            <a:headEnd/>
-            <a:tailEnd/>
-          </a:ln>
-        </p:spPr>
-        <p:txBody>
-          <a:bodyPr wrap="none" anchor="ctr">
-            <a:prstTxWarp prst="textNoShape">
-              <a:avLst/>
-            </a:prstTxWarp>
-          </a:bodyPr>
-          <a:lstStyle/>
-          <a:p>
-            <a:endParaRPr lang="en-US"/>
-          </a:p>
-        </p:txBody>
-      </p:sp>
-      <p:sp>
-        <p:nvSpPr>
-          <p:cNvPr id="69674" name="AutoShape 45"/>
-          <p:cNvSpPr>
-            <a:spLocks noChangeArrowheads="1"/>
-          </p:cNvSpPr>
-          <p:nvPr/>
-        </p:nvSpPr>
-        <p:spPr bwMode="auto">
-          <a:xfrm>
-            <a:off x="2228850" y="4953000"/>
-            <a:ext cx="514350" cy="427038"/>
-          </a:xfrm>
-          <a:prstGeom prst="roundRect">
-            <a:avLst>
-              <a:gd name="adj" fmla="val 9602"/>
-            </a:avLst>
-          </a:prstGeom>
-          <a:solidFill>
-            <a:srgbClr val="9FC6B7"/>
-          </a:solidFill>
-          <a:ln w="9525">
-            <a:noFill/>
-            <a:round/>
-            <a:headEnd/>
-            <a:tailEnd/>
-          </a:ln>
-        </p:spPr>
-        <p:txBody>
-          <a:bodyPr wrap="none" anchor="ctr">
-            <a:prstTxWarp prst="textNoShape">
-              <a:avLst/>
-            </a:prstTxWarp>
-          </a:bodyPr>
-          <a:lstStyle/>
-          <a:p>
-            <a:endParaRPr lang="en-US"/>
-          </a:p>
-        </p:txBody>
-      </p:sp>
-      <p:pic>
-        <p:nvPicPr>
-          <p:cNvPr id="69675" name="Picture 46" descr="ug-incat-repositories"/>
-          <p:cNvPicPr>
-            <a:picLocks noChangeAspect="1" noChangeArrowheads="1"/>
-          </p:cNvPicPr>
-          <p:nvPr/>
-        </p:nvPicPr>
-        <p:blipFill>
-          <a:blip r:embed="rId4"/>
-          <a:srcRect/>
-          <a:stretch>
-            <a:fillRect/>
-          </a:stretch>
-        </p:blipFill>
-        <p:spPr bwMode="auto">
-          <a:xfrm>
-            <a:off x="2400300" y="2852738"/>
-            <a:ext cx="1333500" cy="469900"/>
-          </a:xfrm>
-          <a:prstGeom prst="rect">
-            <a:avLst/>
-          </a:prstGeom>
-          <a:noFill/>
-          <a:ln w="9525">
-            <a:noFill/>
-            <a:miter lim="800000"/>
-            <a:headEnd/>
-            <a:tailEnd/>
-          </a:ln>
-        </p:spPr>
-      </p:pic>
-      <p:sp>
-        <p:nvSpPr>
-          <p:cNvPr id="69676" name="AutoShape 47"/>
-          <p:cNvSpPr>
-            <a:spLocks noChangeArrowheads="1"/>
-          </p:cNvSpPr>
-          <p:nvPr/>
-        </p:nvSpPr>
-        <p:spPr bwMode="auto">
-          <a:xfrm>
-            <a:off x="3124200" y="2700338"/>
-            <a:ext cx="457200" cy="228600"/>
-          </a:xfrm>
-          <a:prstGeom prst="roundRect">
-            <a:avLst>
-              <a:gd name="adj" fmla="val 16667"/>
-            </a:avLst>
-          </a:prstGeom>
-          <a:solidFill>
-            <a:schemeClr val="accent2"/>
-          </a:solidFill>
-          <a:ln w="9525">
-            <a:solidFill>
-              <a:srgbClr val="333333"/>
-            </a:solidFill>
-            <a:round/>
-            <a:headEnd/>
-            <a:tailEnd/>
-          </a:ln>
-        </p:spPr>
-        <p:txBody>
-          <a:bodyPr wrap="none" anchor="ctr">
-            <a:prstTxWarp prst="textNoShape">
-              <a:avLst/>
-            </a:prstTxWarp>
-          </a:bodyPr>
-          <a:lstStyle/>
-          <a:p>
-            <a:pPr algn="ctr"/>
-            <a:r>
-              <a:rPr lang="en-US" sz="1000">
-                <a:solidFill>
-                  <a:schemeClr val="bg1"/>
-                </a:solidFill>
-                <a:latin typeface="Times New Roman" charset="0"/>
-              </a:rPr>
-              <a:t>Incat</a:t>
-            </a:r>
-            <a:endParaRPr lang="en-US" sz="1100">
-              <a:solidFill>
-                <a:schemeClr val="bg1"/>
-              </a:solidFill>
-              <a:latin typeface="Times New Roman" charset="0"/>
-            </a:endParaRPr>
-          </a:p>
-        </p:txBody>
-      </p:sp>
-      <p:sp>
-        <p:nvSpPr>
-          <p:cNvPr id="69677" name="AutoShape 48"/>
-          <p:cNvSpPr>
-            <a:spLocks noChangeArrowheads="1"/>
-          </p:cNvSpPr>
-          <p:nvPr/>
-        </p:nvSpPr>
-        <p:spPr bwMode="auto">
-          <a:xfrm>
-            <a:off x="6324600" y="3581400"/>
-            <a:ext cx="182563" cy="182563"/>
-          </a:xfrm>
-          <a:prstGeom prst="foldedCorner">
-            <a:avLst>
-              <a:gd name="adj" fmla="val 12500"/>
-            </a:avLst>
-          </a:prstGeom>
-          <a:solidFill>
-            <a:srgbClr val="EFD9B2"/>
-          </a:solidFill>
-          <a:ln w="9525">
-            <a:solidFill>
-              <a:srgbClr val="333333"/>
-            </a:solidFill>
-            <a:round/>
-            <a:headEnd/>
-            <a:tailEnd/>
-          </a:ln>
-        </p:spPr>
-        <p:txBody>
-          <a:bodyPr anchor="ctr">
-            <a:prstTxWarp prst="textNoShape">
-              <a:avLst/>
-            </a:prstTxWarp>
-          </a:bodyPr>
-          <a:lstStyle/>
-          <a:p>
-            <a:pPr algn="ctr"/>
-            <a:r>
-              <a:rPr lang="en-US" sz="900">
-                <a:solidFill>
-                  <a:srgbClr val="4C4C4C"/>
-                </a:solidFill>
-                <a:latin typeface="Times New Roman" charset="0"/>
-              </a:rPr>
-              <a:t>r</a:t>
-            </a:r>
-          </a:p>
-        </p:txBody>
-      </p:sp>
-      <p:sp>
-        <p:nvSpPr>
-          <p:cNvPr id="69678" name="AutoShape 49"/>
-          <p:cNvSpPr>
-            <a:spLocks noChangeArrowheads="1"/>
-          </p:cNvSpPr>
-          <p:nvPr/>
-        </p:nvSpPr>
-        <p:spPr bwMode="auto">
-          <a:xfrm>
-            <a:off x="6858000" y="3657600"/>
-            <a:ext cx="182563" cy="182563"/>
-          </a:xfrm>
-          <a:prstGeom prst="foldedCorner">
-            <a:avLst>
-              <a:gd name="adj" fmla="val 12500"/>
-            </a:avLst>
-          </a:prstGeom>
-          <a:solidFill>
-            <a:srgbClr val="EFD9B2"/>
-          </a:solidFill>
-          <a:ln w="9525">
-            <a:solidFill>
-              <a:srgbClr val="333333"/>
-            </a:solidFill>
-            <a:round/>
-            <a:headEnd/>
-            <a:tailEnd/>
-          </a:ln>
-        </p:spPr>
-        <p:txBody>
-          <a:bodyPr anchor="ctr">
-            <a:prstTxWarp prst="textNoShape">
-              <a:avLst/>
-            </a:prstTxWarp>
-          </a:bodyPr>
-          <a:lstStyle/>
-          <a:p>
-            <a:pPr algn="ctr"/>
-            <a:r>
-              <a:rPr lang="en-US" sz="900">
-                <a:solidFill>
-                  <a:srgbClr val="4C4C4C"/>
-                </a:solidFill>
-                <a:latin typeface="Times New Roman" charset="0"/>
-              </a:rPr>
-              <a:t>r</a:t>
-            </a:r>
-          </a:p>
-        </p:txBody>
-      </p:sp>
-      <p:cxnSp>
-        <p:nvCxnSpPr>
-          <p:cNvPr id="69679" name="AutoShape 50"/>
-          <p:cNvCxnSpPr>
-            <a:cxnSpLocks noChangeShapeType="1"/>
-            <a:stCxn id="69648" idx="3"/>
-            <a:endCxn id="69649" idx="1"/>
-          </p:cNvCxnSpPr>
-          <p:nvPr/>
-        </p:nvCxnSpPr>
-        <p:spPr bwMode="auto">
-          <a:xfrm>
-            <a:off x="5486400" y="3086100"/>
-            <a:ext cx="1143000" cy="1588"/>
-          </a:xfrm>
-          <a:prstGeom prst="straightConnector1">
-            <a:avLst/>
-          </a:prstGeom>
-          <a:noFill/>
-          <a:ln w="12700">
-            <a:solidFill>
-              <a:srgbClr val="333333"/>
-            </a:solidFill>
-            <a:round/>
-            <a:headEnd/>
-            <a:tailEnd type="triangle" w="med" len="med"/>
-          </a:ln>
-        </p:spPr>
-      </p:cxnSp>
-      <p:sp>
-        <p:nvSpPr>
-          <p:cNvPr id="69680" name="AutoShape 51"/>
-          <p:cNvSpPr>
-            <a:spLocks noChangeArrowheads="1"/>
-          </p:cNvSpPr>
-          <p:nvPr/>
-        </p:nvSpPr>
-        <p:spPr bwMode="auto">
-          <a:xfrm>
-            <a:off x="5867400" y="2971800"/>
-            <a:ext cx="182563" cy="182563"/>
-          </a:xfrm>
-          <a:prstGeom prst="foldedCorner">
-            <a:avLst>
-              <a:gd name="adj" fmla="val 12500"/>
-            </a:avLst>
-          </a:prstGeom>
-          <a:solidFill>
-            <a:srgbClr val="EFD9B2"/>
-          </a:solidFill>
-          <a:ln w="9525">
-            <a:solidFill>
-              <a:srgbClr val="333333"/>
-            </a:solidFill>
-            <a:round/>
-            <a:headEnd/>
-            <a:tailEnd/>
-          </a:ln>
-        </p:spPr>
-        <p:txBody>
-          <a:bodyPr anchor="ctr">
-            <a:prstTxWarp prst="textNoShape">
-              <a:avLst/>
-            </a:prstTxWarp>
-          </a:bodyPr>
-          <a:lstStyle/>
-          <a:p>
-            <a:pPr algn="ctr"/>
-            <a:r>
-              <a:rPr lang="en-US" sz="900">
-                <a:solidFill>
-                  <a:srgbClr val="4C4C4C"/>
-                </a:solidFill>
-                <a:latin typeface="Times New Roman" charset="0"/>
-              </a:rPr>
-              <a:t>S</a:t>
-            </a:r>
-          </a:p>
-        </p:txBody>
-      </p:sp>
-      <p:pic>
-        <p:nvPicPr>
-          <p:cNvPr id="69681" name="Picture 52" descr="googleNeonPing"/>
-          <p:cNvPicPr preferRelativeResize="0">
-            <a:picLocks noChangeArrowheads="1"/>
-          </p:cNvPicPr>
-          <p:nvPr/>
-        </p:nvPicPr>
-        <p:blipFill>
-          <a:blip r:embed="rId5"/>
-          <a:srcRect/>
-          <a:stretch>
-            <a:fillRect/>
-          </a:stretch>
-        </p:blipFill>
-        <p:spPr bwMode="auto">
-          <a:xfrm>
-            <a:off x="7086600" y="1852613"/>
-            <a:ext cx="490538" cy="490537"/>
-          </a:xfrm>
-          <a:prstGeom prst="rect">
-            <a:avLst/>
-          </a:prstGeom>
-          <a:noFill/>
-          <a:ln w="9525">
-            <a:solidFill>
-              <a:srgbClr val="333333"/>
-            </a:solidFill>
-            <a:miter lim="800000"/>
-            <a:headEnd/>
-            <a:tailEnd/>
-          </a:ln>
-        </p:spPr>
-      </p:pic>
-      <p:pic>
-        <p:nvPicPr>
-          <p:cNvPr id="69682" name="Picture 53" descr="summaryHistoryJsp_sm"/>
-          <p:cNvPicPr preferRelativeResize="0">
-            <a:picLocks noChangeArrowheads="1"/>
-          </p:cNvPicPr>
-          <p:nvPr/>
-        </p:nvPicPr>
-        <p:blipFill>
-          <a:blip r:embed="rId6"/>
-          <a:srcRect/>
-          <a:stretch>
-            <a:fillRect/>
-          </a:stretch>
-        </p:blipFill>
-        <p:spPr bwMode="auto">
-          <a:xfrm>
-            <a:off x="6629400" y="1752600"/>
-            <a:ext cx="514350" cy="514350"/>
-          </a:xfrm>
-          <a:prstGeom prst="rect">
-            <a:avLst/>
-          </a:prstGeom>
-          <a:noFill/>
-          <a:ln w="9525">
-            <a:solidFill>
-              <a:srgbClr val="333333"/>
-            </a:solidFill>
-            <a:miter lim="800000"/>
-            <a:headEnd/>
-            <a:tailEnd/>
-          </a:ln>
-        </p:spPr>
-      </p:pic>
-      <p:pic>
-        <p:nvPicPr>
-          <p:cNvPr id="69683" name="Picture 54" descr="summary_report_sm"/>
-          <p:cNvPicPr preferRelativeResize="0">
-            <a:picLocks noChangeArrowheads="1"/>
-          </p:cNvPicPr>
-          <p:nvPr/>
-        </p:nvPicPr>
-        <p:blipFill>
-          <a:blip r:embed="rId7"/>
-          <a:srcRect/>
-          <a:stretch>
-            <a:fillRect/>
-          </a:stretch>
-        </p:blipFill>
-        <p:spPr bwMode="auto">
-          <a:xfrm>
-            <a:off x="6324600" y="1809750"/>
-            <a:ext cx="536575" cy="533400"/>
-          </a:xfrm>
-          <a:prstGeom prst="rect">
-            <a:avLst/>
-          </a:prstGeom>
-          <a:noFill/>
-          <a:ln w="9525">
-            <a:solidFill>
-              <a:srgbClr val="333333"/>
-            </a:solidFill>
-            <a:miter lim="800000"/>
-            <a:headEnd/>
-            <a:tailEnd/>
-          </a:ln>
-        </p:spPr>
-      </p:pic>
-      <p:sp>
-        <p:nvSpPr>
-          <p:cNvPr id="69684" name="AutoShape 55"/>
-          <p:cNvSpPr>
-            <a:spLocks noChangeArrowheads="1"/>
-          </p:cNvSpPr>
-          <p:nvPr/>
-        </p:nvSpPr>
-        <p:spPr bwMode="auto">
-          <a:xfrm>
-            <a:off x="5608638" y="3505200"/>
-            <a:ext cx="182562" cy="182563"/>
-          </a:xfrm>
-          <a:prstGeom prst="foldedCorner">
-            <a:avLst>
-              <a:gd name="adj" fmla="val 12500"/>
-            </a:avLst>
-          </a:prstGeom>
-          <a:solidFill>
-            <a:srgbClr val="EFD9B2"/>
-          </a:solidFill>
-          <a:ln w="9525">
-            <a:solidFill>
-              <a:srgbClr val="333333"/>
-            </a:solidFill>
-            <a:round/>
-            <a:headEnd/>
-            <a:tailEnd/>
-          </a:ln>
-        </p:spPr>
-        <p:txBody>
-          <a:bodyPr anchor="ctr">
-            <a:prstTxWarp prst="textNoShape">
-              <a:avLst/>
-            </a:prstTxWarp>
-          </a:bodyPr>
-          <a:lstStyle/>
-          <a:p>
-            <a:pPr algn="ctr"/>
-            <a:r>
-              <a:rPr lang="en-US" sz="900">
-                <a:solidFill>
-                  <a:srgbClr val="4C4C4C"/>
-                </a:solidFill>
-                <a:latin typeface="Times New Roman" charset="0"/>
-              </a:rPr>
-              <a:t>S</a:t>
-            </a:r>
-          </a:p>
-        </p:txBody>
-      </p:sp>
-      <p:sp>
-        <p:nvSpPr>
-          <p:cNvPr id="69685" name="AutoShape 56"/>
-          <p:cNvSpPr>
-            <a:spLocks noChangeAspect="1" noChangeArrowheads="1"/>
-          </p:cNvSpPr>
-          <p:nvPr/>
-        </p:nvSpPr>
-        <p:spPr bwMode="auto">
-          <a:xfrm>
-            <a:off x="5181600" y="3657600"/>
-            <a:ext cx="182563" cy="184150"/>
-          </a:xfrm>
-          <a:prstGeom prst="foldedCorner">
-            <a:avLst>
-              <a:gd name="adj" fmla="val 12500"/>
-            </a:avLst>
-          </a:prstGeom>
-          <a:solidFill>
-            <a:srgbClr val="EFD9B2"/>
-          </a:solidFill>
-          <a:ln w="9525">
-            <a:solidFill>
-              <a:srgbClr val="333333"/>
-            </a:solidFill>
-            <a:round/>
-            <a:headEnd/>
-            <a:tailEnd/>
-          </a:ln>
-        </p:spPr>
-        <p:txBody>
-          <a:bodyPr anchor="ctr">
-            <a:prstTxWarp prst="textNoShape">
-              <a:avLst/>
-            </a:prstTxWarp>
-          </a:bodyPr>
-          <a:lstStyle/>
-          <a:p>
-            <a:pPr algn="ctr"/>
-            <a:r>
-              <a:rPr lang="en-US" sz="900">
-                <a:solidFill>
-                  <a:srgbClr val="4C4C4C"/>
-                </a:solidFill>
-                <a:latin typeface="Times New Roman" charset="0"/>
-              </a:rPr>
-              <a:t>S</a:t>
-            </a:r>
-          </a:p>
-        </p:txBody>
-      </p:sp>
-      <p:sp>
-        <p:nvSpPr>
-          <p:cNvPr id="69686" name="Rectangle 57"/>
-          <p:cNvSpPr>
-            <a:spLocks noGrp="1" noChangeArrowheads="1"/>
-          </p:cNvSpPr>
-          <p:nvPr>
-            <p:ph type="title"/>
-          </p:nvPr>
-        </p:nvSpPr>
-        <p:spPr/>
-        <p:txBody>
-          <a:bodyPr/>
-          <a:lstStyle/>
-          <a:p>
-            <a:r>
-              <a:rPr lang="en-US"/>
-              <a:t>Inca architecture</a:t>
-            </a:r>
           </a:p>
         </p:txBody>
       </p:sp>
@@ -15136,7 +12771,7 @@
 </p:sld>
 </file>
 
-<file path=ppt/slides/slide27.xml><?xml version="1.0" encoding="utf-8"?>
+<file path=ppt/slides/slide26.xml><?xml version="1.0" encoding="utf-8"?>
 <p:sld xmlns:a="http://schemas.openxmlformats.org/drawingml/2006/main" xmlns:r="http://schemas.openxmlformats.org/officeDocument/2006/relationships" xmlns:mc="http://schemas.openxmlformats.org/markup-compatibility/2006" xmlns:mv="urn:schemas-microsoft-com:mac:vml" xmlns:p="http://schemas.openxmlformats.org/presentationml/2006/main" mc:Ignorable="mv" mc:PreserveAttributes="mv:*">
   <p:cSld>
     <p:spTree>
@@ -17442,7 +15077,7 @@
                         <a:tabLst/>
                       </a:pPr>
                       <a:r>
-                        <a:rPr kumimoji="0" lang="en-US" sz="2400" b="0" i="0" u="none" strike="noStrike" cap="none" normalizeH="0" baseline="0">
+                        <a:rPr kumimoji="0" lang="en-US" sz="2400" b="0" i="0" u="none" strike="noStrike" cap="none" normalizeH="0" baseline="0" dirty="0">
                           <a:ln>
                             <a:noFill/>
                           </a:ln>
@@ -17454,8 +15089,35 @@
                           <a:ea typeface="ＭＳ Ｐゴシック" charset="-128"/>
                           <a:cs typeface="ＭＳ Ｐゴシック" charset="-128"/>
                         </a:rPr>
-                        <a:t>Hands-on: Inca deployment (part 1)</a:t>
+                        <a:t>Hands-on: Inca </a:t>
                       </a:r>
+                      <a:r>
+                        <a:rPr kumimoji="0" lang="en-US" sz="2400" b="0" i="0" u="none" strike="noStrike" cap="none" normalizeH="0" baseline="0" dirty="0" smtClean="0">
+                          <a:ln>
+                            <a:noFill/>
+                          </a:ln>
+                          <a:solidFill>
+                            <a:schemeClr val="tx1"/>
+                          </a:solidFill>
+                          <a:effectLst/>
+                          <a:latin typeface="Times New Roman" charset="0"/>
+                          <a:ea typeface="ＭＳ Ｐゴシック" charset="-128"/>
+                          <a:cs typeface="ＭＳ Ｐゴシック" charset="-128"/>
+                        </a:rPr>
+                        <a:t>deployment</a:t>
+                      </a:r>
+                      <a:endParaRPr kumimoji="0" lang="en-US" sz="2400" b="0" i="0" u="none" strike="noStrike" cap="none" normalizeH="0" baseline="0" dirty="0">
+                        <a:ln>
+                          <a:noFill/>
+                        </a:ln>
+                        <a:solidFill>
+                          <a:schemeClr val="tx1"/>
+                        </a:solidFill>
+                        <a:effectLst/>
+                        <a:latin typeface="Times New Roman" charset="0"/>
+                        <a:ea typeface="ＭＳ Ｐゴシック" charset="-128"/>
+                        <a:cs typeface="ＭＳ Ｐゴシック" charset="-128"/>
+                      </a:endParaRPr>
                     </a:p>
                   </a:txBody>
                   <a:tcPr horzOverflow="overflow">
@@ -18888,7 +16550,7 @@
           <p:nvPr/>
         </p:nvPicPr>
         <p:blipFill>
-          <a:blip r:embed="rId5"/>
+          <a:blip r:embed="rId4"/>
           <a:srcRect/>
           <a:stretch>
             <a:fillRect/>
@@ -18945,15 +16607,33 @@
           <a:lstStyle/>
           <a:p>
             <a:r>
-              <a:rPr lang="en-GB" i="1">
+              <a:rPr lang="en-GB" i="1" dirty="0">
                 <a:solidFill>
                   <a:schemeClr val="accent2"/>
                 </a:solidFill>
                 <a:latin typeface="Times New Roman" charset="0"/>
               </a:rPr>
-              <a:t>11 TeraGrid sites, 21 resources</a:t>
-            </a:r>
-            <a:endParaRPr lang="en-US" sz="2400">
+              <a:t>11 </a:t>
+            </a:r>
+            <a:r>
+              <a:rPr lang="en-GB" i="1" dirty="0" err="1">
+                <a:solidFill>
+                  <a:schemeClr val="accent2"/>
+                </a:solidFill>
+                <a:latin typeface="Times New Roman" charset="0"/>
+              </a:rPr>
+              <a:t>TeraGrid</a:t>
+            </a:r>
+            <a:r>
+              <a:rPr lang="en-GB" i="1" dirty="0">
+                <a:solidFill>
+                  <a:schemeClr val="accent2"/>
+                </a:solidFill>
+                <a:latin typeface="Times New Roman" charset="0"/>
+              </a:rPr>
+              <a:t> sites, 21 resources</a:t>
+            </a:r>
+            <a:endParaRPr lang="en-US" sz="2400" dirty="0">
               <a:latin typeface="Times New Roman" charset="0"/>
             </a:endParaRPr>
           </a:p>
@@ -18973,7 +16653,7 @@
         </p:xfrm>
         <a:graphic>
           <a:graphicData uri="http://schemas.openxmlformats.org/presentationml/2006/ole">
-            <p:oleObj spid="_x0000_s31746" name="Document" r:id="rId6" imgW="4093464" imgH="2676144" progId="Word.Document.8">
+            <p:oleObj spid="_x0000_s31746" name="Document" r:id="rId5" imgW="4093464" imgH="2676144" progId="Word.Document.8">
               <p:embed/>
             </p:oleObj>
           </a:graphicData>
@@ -18987,119 +16667,9 @@
   <p:timing>
     <p:tnLst>
       <p:par>
-        <p:cTn id="1" dur="indefinite" restart="never" nodeType="tmRoot">
-          <p:childTnLst>
-            <p:seq concurrent="1" nextAc="seek">
-              <p:cTn id="2" dur="indefinite" nodeType="mainSeq">
-                <p:childTnLst>
-                  <p:par>
-                    <p:cTn id="3" fill="hold">
-                      <p:stCondLst>
-                        <p:cond delay="indefinite"/>
-                      </p:stCondLst>
-                      <p:childTnLst>
-                        <p:par>
-                          <p:cTn id="4" fill="hold">
-                            <p:stCondLst>
-                              <p:cond delay="0"/>
-                            </p:stCondLst>
-                            <p:childTnLst>
-                              <p:par>
-                                <p:cTn id="5" presetID="4" presetClass="entr" presetSubtype="32" fill="hold" grpId="0" nodeType="clickEffect">
-                                  <p:stCondLst>
-                                    <p:cond delay="0"/>
-                                  </p:stCondLst>
-                                  <p:childTnLst>
-                                    <p:set>
-                                      <p:cBhvr>
-                                        <p:cTn id="6" dur="1" fill="hold">
-                                          <p:stCondLst>
-                                            <p:cond delay="0"/>
-                                          </p:stCondLst>
-                                        </p:cTn>
-                                        <p:tgtEl>
-                                          <p:spTgt spid="260101">
-                                            <p:txEl>
-                                              <p:pRg st="0" end="0"/>
-                                            </p:txEl>
-                                          </p:spTgt>
-                                        </p:tgtEl>
-                                        <p:attrNameLst>
-                                          <p:attrName>style.visibility</p:attrName>
-                                        </p:attrNameLst>
-                                      </p:cBhvr>
-                                      <p:to>
-                                        <p:strVal val="visible"/>
-                                      </p:to>
-                                    </p:set>
-                                    <p:animEffect transition="in" filter="box(out)">
-                                      <p:cBhvr>
-                                        <p:cTn id="7" dur="500"/>
-                                        <p:tgtEl>
-                                          <p:spTgt spid="260101">
-                                            <p:txEl>
-                                              <p:pRg st="0" end="0"/>
-                                            </p:txEl>
-                                          </p:spTgt>
-                                        </p:tgtEl>
-                                      </p:cBhvr>
-                                    </p:animEffect>
-                                  </p:childTnLst>
-                                  <p:subTnLst>
-                                    <p:audio>
-                                      <p:cMediaNode>
-                                        <p:cTn display="0" masterRel="sameClick">
-                                          <p:stCondLst>
-                                            <p:cond evt="begin" delay="0">
-                                              <p:tn val="5"/>
-                                            </p:cond>
-                                          </p:stCondLst>
-                                          <p:endCondLst>
-                                            <p:cond evt="onStopAudio" delay="0">
-                                              <p:tgtEl>
-                                                <p:sldTgt/>
-                                              </p:tgtEl>
-                                            </p:cond>
-                                          </p:endCondLst>
-                                        </p:cTn>
-                                        <p:tgtEl>
-                                          <p:sndTgt r:embed="rId4" name="Camera"/>
-                                        </p:tgtEl>
-                                      </p:cMediaNode>
-                                    </p:audio>
-                                  </p:subTnLst>
-                                </p:cTn>
-                              </p:par>
-                            </p:childTnLst>
-                          </p:cTn>
-                        </p:par>
-                      </p:childTnLst>
-                    </p:cTn>
-                  </p:par>
-                </p:childTnLst>
-              </p:cTn>
-              <p:prevCondLst>
-                <p:cond evt="onPrev" delay="0">
-                  <p:tgtEl>
-                    <p:sldTgt/>
-                  </p:tgtEl>
-                </p:cond>
-              </p:prevCondLst>
-              <p:nextCondLst>
-                <p:cond evt="onNext" delay="0">
-                  <p:tgtEl>
-                    <p:sldTgt/>
-                  </p:tgtEl>
-                </p:cond>
-              </p:nextCondLst>
-            </p:seq>
-          </p:childTnLst>
-        </p:cTn>
+        <p:cTn id="1" dur="indefinite" restart="never" nodeType="tmRoot"/>
       </p:par>
     </p:tnLst>
-    <p:bldLst>
-      <p:bldP spid="260101" grpId="0" build="p" autoUpdateAnimBg="0"/>
-    </p:bldLst>
   </p:timing>
 </p:sld>
 </file>

--- a/pubs/talks/2010/2010workshop/overview.pptx
+++ b/pubs/talks/2010/2010workshop/overview.pptx
@@ -13883,6 +13883,21 @@
                         <a:tabLst/>
                       </a:pPr>
                       <a:r>
+                        <a:rPr kumimoji="0" lang="en-US" sz="2400" b="0" i="0" u="none" strike="noStrike" cap="none" normalizeH="0" baseline="0" dirty="0">
+                          <a:ln>
+                            <a:noFill/>
+                          </a:ln>
+                          <a:solidFill>
+                            <a:schemeClr val="tx1"/>
+                          </a:solidFill>
+                          <a:effectLst/>
+                          <a:latin typeface="Times New Roman" charset="0"/>
+                          <a:ea typeface="ＭＳ Ｐゴシック" charset="-128"/>
+                          <a:cs typeface="ＭＳ Ｐゴシック" charset="-128"/>
+                        </a:rPr>
+                        <a:t>Hands-on: </a:t>
+                      </a:r>
+                      <a:r>
                         <a:rPr kumimoji="0" lang="en-US" sz="2400" b="0" i="0" u="none" strike="noStrike" cap="none" normalizeH="0" baseline="0">
                           <a:ln>
                             <a:noFill/>
@@ -13895,8 +13910,35 @@
                           <a:ea typeface="ＭＳ Ｐゴシック" charset="-128"/>
                           <a:cs typeface="ＭＳ Ｐゴシック" charset="-128"/>
                         </a:rPr>
-                        <a:t>Hands-on: Inca deployment (part 1)</a:t>
+                        <a:t>Inca </a:t>
                       </a:r>
+                      <a:r>
+                        <a:rPr kumimoji="0" lang="en-US" sz="2400" b="0" i="0" u="none" strike="noStrike" cap="none" normalizeH="0" baseline="0" smtClean="0">
+                          <a:ln>
+                            <a:noFill/>
+                          </a:ln>
+                          <a:solidFill>
+                            <a:schemeClr val="tx1"/>
+                          </a:solidFill>
+                          <a:effectLst/>
+                          <a:latin typeface="Times New Roman" charset="0"/>
+                          <a:ea typeface="ＭＳ Ｐゴシック" charset="-128"/>
+                          <a:cs typeface="ＭＳ Ｐゴシック" charset="-128"/>
+                        </a:rPr>
+                        <a:t>deployment</a:t>
+                      </a:r>
+                      <a:endParaRPr kumimoji="0" lang="en-US" sz="2400" b="0" i="0" u="none" strike="noStrike" cap="none" normalizeH="0" baseline="0">
+                        <a:ln>
+                          <a:noFill/>
+                        </a:ln>
+                        <a:solidFill>
+                          <a:schemeClr val="tx1"/>
+                        </a:solidFill>
+                        <a:effectLst/>
+                        <a:latin typeface="Times New Roman" charset="0"/>
+                        <a:ea typeface="ＭＳ Ｐゴシック" charset="-128"/>
+                        <a:cs typeface="ＭＳ Ｐゴシック" charset="-128"/>
+                      </a:endParaRPr>
                     </a:p>
                   </a:txBody>
                   <a:tcPr horzOverflow="overflow">

--- a/pubs/talks/2010/2010workshop/overview.pptx
+++ b/pubs/talks/2010/2010workshop/overview.pptx
@@ -2963,7 +2963,7 @@
           <a:lstStyle/>
           <a:p>
             <a:pPr eaLnBrk="1" hangingPunct="1"/>
-            <a:endParaRPr lang="en-US">
+            <a:endParaRPr lang="en-US" dirty="0">
               <a:latin typeface="Arial" charset="0"/>
               <a:ea typeface="ＭＳ Ｐゴシック" charset="-128"/>
               <a:cs typeface="ＭＳ Ｐゴシック" charset="-128"/>
@@ -6237,9 +6237,14 @@
           <a:lstStyle/>
           <a:p>
             <a:r>
-              <a:rPr lang="en-US"/>
-              <a:t>Inca provides user-level grid monitoring</a:t>
-            </a:r>
+              <a:rPr lang="en-US" dirty="0"/>
+              <a:t>Inca provides user-level</a:t>
+            </a:r>
+            <a:r>
+              <a:rPr lang="en-US" dirty="0" smtClean="0"/>
+              <a:t> CI monitoring</a:t>
+            </a:r>
+            <a:endParaRPr lang="en-US" dirty="0"/>
           </a:p>
         </p:txBody>
       </p:sp>
@@ -6660,7 +6665,7 @@
               <a:buSzTx/>
             </a:pPr>
             <a:r>
-              <a:rPr lang="en-US" sz="2400"/>
+              <a:rPr lang="en-US" sz="2400" dirty="0"/>
               <a:t>Collection of reporters available via a URL</a:t>
             </a:r>
           </a:p>
@@ -6675,7 +6680,7 @@
               <a:buSzTx/>
             </a:pPr>
             <a:r>
-              <a:rPr lang="en-US" sz="2400"/>
+              <a:rPr lang="en-US" sz="2400" dirty="0"/>
               <a:t>Supports package dependencies</a:t>
             </a:r>
           </a:p>
@@ -6694,7 +6699,7 @@
               <a:buSzTx/>
             </a:pPr>
             <a:r>
-              <a:rPr lang="en-US" sz="2400"/>
+              <a:rPr lang="en-US" sz="2400" dirty="0"/>
               <a:t>Packages versioned to allow for automatic updates</a:t>
             </a:r>
           </a:p>
@@ -6710,7 +6715,7 @@
               <a:buSzTx/>
             </a:pPr>
             <a:r>
-              <a:rPr lang="en-US" sz="2400"/>
+              <a:rPr lang="en-US" sz="2400" dirty="0"/>
               <a:t>Inca project repository contains 150+ reporters</a:t>
             </a:r>
           </a:p>
@@ -6726,12 +6731,16 @@
               <a:buSzTx/>
             </a:pPr>
             <a:r>
-              <a:rPr lang="en-US" sz="2000">
+              <a:rPr lang="en-US" sz="2000" dirty="0">
                 <a:ea typeface="ＭＳ Ｐゴシック" charset="-128"/>
                 <a:cs typeface="ＭＳ Ｐゴシック" charset="-128"/>
               </a:rPr>
               <a:t>Version, unit test, performance benchmark reporters</a:t>
             </a:r>
+            <a:endParaRPr lang="en-US" sz="2000" dirty="0" smtClean="0">
+              <a:ea typeface="ＭＳ Ｐゴシック" charset="-128"/>
+              <a:cs typeface="ＭＳ Ｐゴシック" charset="-128"/>
+            </a:endParaRPr>
           </a:p>
           <a:p>
             <a:pPr lvl="1">
@@ -6745,13 +6754,34 @@
               <a:buSzTx/>
             </a:pPr>
             <a:r>
-              <a:rPr lang="en-US" sz="2000">
+              <a:rPr lang="en-US" sz="2000" dirty="0" smtClean="0">
                 <a:ea typeface="ＭＳ Ｐゴシック" charset="-128"/>
                 <a:cs typeface="ＭＳ Ｐゴシック" charset="-128"/>
               </a:rPr>
-              <a:t>Grid middleware and tools, compilers, math libraries, data tools, and viz tool</a:t>
-            </a:r>
-            <a:endParaRPr lang="en-US" sz="2000">
+              <a:t>CI </a:t>
+            </a:r>
+            <a:r>
+              <a:rPr lang="en-US" sz="2000" dirty="0">
+                <a:ea typeface="ＭＳ Ｐゴシック" charset="-128"/>
+                <a:cs typeface="ＭＳ Ｐゴシック" charset="-128"/>
+              </a:rPr>
+              <a:t>middleware and tools, compilers, math libraries, data tools, and </a:t>
+            </a:r>
+            <a:r>
+              <a:rPr lang="en-US" sz="2000" dirty="0" err="1">
+                <a:ea typeface="ＭＳ Ｐゴシック" charset="-128"/>
+                <a:cs typeface="ＭＳ Ｐゴシック" charset="-128"/>
+              </a:rPr>
+              <a:t>viz</a:t>
+            </a:r>
+            <a:r>
+              <a:rPr lang="en-US" sz="2000" dirty="0">
+                <a:ea typeface="ＭＳ Ｐゴシック" charset="-128"/>
+                <a:cs typeface="ＭＳ Ｐゴシック" charset="-128"/>
+              </a:rPr>
+              <a:t> tool</a:t>
+            </a:r>
+            <a:endParaRPr lang="en-US" sz="2000" dirty="0">
               <a:ea typeface="ＭＳ Ｐゴシック" charset="-128"/>
             </a:endParaRPr>
           </a:p>
@@ -10890,8 +10920,16 @@
           <a:lstStyle/>
           <a:p>
             <a:r>
-              <a:rPr lang="en-US"/>
-              <a:t>Inca TeraGrid deployment</a:t>
+              <a:rPr lang="en-US" dirty="0"/>
+              <a:t>Inca </a:t>
+            </a:r>
+            <a:r>
+              <a:rPr lang="en-US" dirty="0" err="1"/>
+              <a:t>TeraGrid</a:t>
+            </a:r>
+            <a:r>
+              <a:rPr lang="en-US" dirty="0"/>
+              <a:t> deployment</a:t>
             </a:r>
           </a:p>
         </p:txBody>
@@ -10925,7 +10963,7 @@
               </a:spcAft>
             </a:pPr>
             <a:r>
-              <a:rPr lang="en-US" sz="2000"/>
+              <a:rPr lang="en-US" sz="2000" dirty="0"/>
               <a:t>Running since 2003</a:t>
             </a:r>
           </a:p>
@@ -10939,7 +10977,7 @@
               </a:spcAft>
             </a:pPr>
             <a:r>
-              <a:rPr lang="en-US" sz="2000"/>
+              <a:rPr lang="en-US" sz="2000" dirty="0"/>
               <a:t>Total of 2660 tests running on 20 login nodes, 3 grid nodes, and 3 servers</a:t>
             </a:r>
           </a:p>
@@ -10953,7 +10991,7 @@
               </a:spcAft>
             </a:pPr>
             <a:r>
-              <a:rPr lang="en-US" sz="2000"/>
+              <a:rPr lang="en-US" sz="2000" dirty="0"/>
               <a:t>Coordinated software and services</a:t>
             </a:r>
           </a:p>
@@ -10967,7 +11005,7 @@
               </a:spcAft>
             </a:pPr>
             <a:r>
-              <a:rPr lang="en-US" sz="2000"/>
+              <a:rPr lang="en-US" sz="2000" dirty="0"/>
               <a:t>Cross-site tests</a:t>
             </a:r>
           </a:p>
@@ -10981,7 +11019,7 @@
               </a:spcAft>
             </a:pPr>
             <a:r>
-              <a:rPr lang="en-US" sz="2000"/>
+              <a:rPr lang="en-US" sz="2000" dirty="0"/>
               <a:t>GRAM usage</a:t>
             </a:r>
           </a:p>
@@ -10995,7 +11033,7 @@
               </a:spcAft>
             </a:pPr>
             <a:r>
-              <a:rPr lang="en-US" sz="2000"/>
+              <a:rPr lang="en-US" sz="2000" dirty="0"/>
               <a:t>CA certificate and CRL checking</a:t>
             </a:r>
           </a:p>
@@ -11009,10 +11047,10 @@
               </a:spcAft>
             </a:pPr>
             <a:r>
-              <a:rPr lang="en-US" sz="2000"/>
+              <a:rPr lang="en-US" sz="2000" dirty="0"/>
               <a:t>Resource registration in information services</a:t>
             </a:r>
-            <a:endParaRPr lang="en-US" sz="1600"/>
+            <a:endParaRPr lang="en-US" sz="1600" dirty="0"/>
           </a:p>
         </p:txBody>
       </p:sp>
@@ -11124,15 +11162,24 @@
           <a:lstStyle/>
           <a:p>
             <a:r>
-              <a:rPr lang="en-US" sz="1800">
+              <a:rPr lang="en-US" sz="1800" dirty="0">
                 <a:solidFill>
                   <a:schemeClr val="accent2"/>
                 </a:solidFill>
                 <a:latin typeface="Times New Roman" charset="0"/>
               </a:rPr>
-              <a:t>Screenshot of Inca status pages for TeraGrid</a:t>
-            </a:r>
-            <a:endParaRPr lang="en-US" sz="2400">
+              <a:t>Screenshot of Inca status pages for </a:t>
+            </a:r>
+            <a:r>
+              <a:rPr lang="en-US" sz="1800" dirty="0" err="1">
+                <a:solidFill>
+                  <a:schemeClr val="accent2"/>
+                </a:solidFill>
+                <a:latin typeface="Times New Roman" charset="0"/>
+              </a:rPr>
+              <a:t>TeraGrid</a:t>
+            </a:r>
+            <a:endParaRPr lang="en-US" sz="2400" dirty="0">
               <a:latin typeface="Times New Roman" charset="0"/>
             </a:endParaRPr>
           </a:p>
@@ -11173,10 +11220,22 @@
           <a:p>
             <a:pPr algn="ctr"/>
             <a:r>
-              <a:rPr lang="en-US">
+              <a:rPr lang="en-US" dirty="0">
                 <a:latin typeface="Times New Roman" charset="0"/>
               </a:rPr>
-              <a:t>http://inca.teragrid.org/</a:t>
+              <a:t>http://</a:t>
+            </a:r>
+            <a:r>
+              <a:rPr lang="en-US" dirty="0" err="1">
+                <a:latin typeface="Times New Roman" charset="0"/>
+              </a:rPr>
+              <a:t>inca.teragrid.org</a:t>
+            </a:r>
+            <a:r>
+              <a:rPr lang="en-US" dirty="0">
+                <a:latin typeface="Times New Roman" charset="0"/>
+              </a:rPr>
+              <a:t>/</a:t>
             </a:r>
           </a:p>
         </p:txBody>
@@ -11256,25 +11315,30 @@
           <a:lstStyle/>
           <a:p>
             <a:r>
-              <a:rPr lang="en-US"/>
+              <a:rPr lang="en-US" dirty="0"/>
               <a:t>Introduce features and benefits of Inca to new or interested users.</a:t>
             </a:r>
           </a:p>
           <a:p>
-            <a:endParaRPr lang="en-US"/>
-          </a:p>
-          <a:p>
-            <a:r>
-              <a:rPr lang="en-US"/>
-              <a:t>Help existing users to better utilize Inca for their Grid.</a:t>
-            </a:r>
-          </a:p>
-          <a:p>
-            <a:endParaRPr lang="en-US"/>
-          </a:p>
-          <a:p>
-            <a:r>
-              <a:rPr lang="en-US"/>
+            <a:endParaRPr lang="en-US" dirty="0"/>
+          </a:p>
+          <a:p>
+            <a:r>
+              <a:rPr lang="en-US" dirty="0"/>
+              <a:t>Help existing users to better utilize Inca for their</a:t>
+            </a:r>
+            <a:r>
+              <a:rPr lang="en-US" dirty="0" smtClean="0"/>
+              <a:t> CI systems.</a:t>
+            </a:r>
+            <a:endParaRPr lang="en-US" dirty="0"/>
+          </a:p>
+          <a:p>
+            <a:endParaRPr lang="en-US" dirty="0"/>
+          </a:p>
+          <a:p>
+            <a:r>
+              <a:rPr lang="en-US" dirty="0"/>
               <a:t>Gather any feedback on new features, improvements to features, etc.</a:t>
             </a:r>
           </a:p>
@@ -11333,10 +11397,18 @@
           <a:lstStyle/>
           <a:p>
             <a:r>
-              <a:rPr lang="en-US" sz="3200"/>
-              <a:t>Inca monitoring benefits TeraGrid end users</a:t>
-            </a:r>
-            <a:endParaRPr lang="en-US"/>
+              <a:rPr lang="en-US" sz="3200" dirty="0"/>
+              <a:t>Inca monitoring benefits </a:t>
+            </a:r>
+            <a:r>
+              <a:rPr lang="en-US" sz="3200" dirty="0" err="1"/>
+              <a:t>TeraGrid</a:t>
+            </a:r>
+            <a:r>
+              <a:rPr lang="en-US" sz="3200" dirty="0"/>
+              <a:t> end users</a:t>
+            </a:r>
+            <a:endParaRPr lang="en-US" dirty="0"/>
           </a:p>
         </p:txBody>
       </p:sp>
@@ -11521,24 +11593,42 @@
           <a:p>
             <a:pPr algn="ctr"/>
             <a:r>
-              <a:rPr lang="en-US" sz="1600">
+              <a:rPr lang="en-US" sz="1600" dirty="0">
                 <a:latin typeface="Times New Roman" charset="0"/>
               </a:rPr>
               <a:t>“</a:t>
             </a:r>
             <a:r>
-              <a:rPr lang="en-US" sz="1600">
+              <a:rPr lang="en-US" sz="1600" dirty="0">
                 <a:solidFill>
                   <a:srgbClr val="000000"/>
                 </a:solidFill>
                 <a:latin typeface="Times New Roman" charset="0"/>
               </a:rPr>
-              <a:t>Inca reported errors mirror failures we’ve observed and as they are addressed we’ve noticed an improvement in TeraGrid’s stability.”</a:t>
+              <a:t>Inca reported errors mirror failures we’ve observed and as they are addressed we’ve noticed an improvement in </a:t>
+            </a:r>
+            <a:r>
+              <a:rPr lang="en-US" sz="1600" dirty="0" err="1">
+                <a:solidFill>
+                  <a:srgbClr val="000000"/>
+                </a:solidFill>
+                <a:latin typeface="Times New Roman" charset="0"/>
+              </a:rPr>
+              <a:t>TeraGrid’s</a:t>
+            </a:r>
+            <a:r>
+              <a:rPr lang="en-US" sz="1600" dirty="0">
+                <a:solidFill>
+                  <a:srgbClr val="000000"/>
+                </a:solidFill>
+                <a:latin typeface="Times New Roman" charset="0"/>
+              </a:rPr>
+              <a:t> stability.”</a:t>
             </a:r>
           </a:p>
           <a:p>
             <a:pPr algn="ctr"/>
-            <a:endParaRPr lang="en-US" sz="1600">
+            <a:endParaRPr lang="en-US" sz="1600" dirty="0">
               <a:solidFill>
                 <a:srgbClr val="000000"/>
               </a:solidFill>
@@ -11548,15 +11638,33 @@
           <a:p>
             <a:pPr algn="ctr"/>
             <a:r>
-              <a:rPr lang="en-US" sz="1600">
+              <a:rPr lang="en-US" sz="1600" dirty="0">
                 <a:solidFill>
                   <a:srgbClr val="000000"/>
                 </a:solidFill>
                 <a:latin typeface="Times New Roman" charset="0"/>
               </a:rPr>
-              <a:t>-- Suresh Marru (LEAD developer)</a:t>
-            </a:r>
-            <a:endParaRPr lang="en-US" sz="2400">
+              <a:t>-- Suresh </a:t>
+            </a:r>
+            <a:r>
+              <a:rPr lang="en-US" sz="1600" dirty="0" err="1">
+                <a:solidFill>
+                  <a:srgbClr val="000000"/>
+                </a:solidFill>
+                <a:latin typeface="Times New Roman" charset="0"/>
+              </a:rPr>
+              <a:t>Marru</a:t>
+            </a:r>
+            <a:r>
+              <a:rPr lang="en-US" sz="1600" dirty="0">
+                <a:solidFill>
+                  <a:srgbClr val="000000"/>
+                </a:solidFill>
+                <a:latin typeface="Times New Roman" charset="0"/>
+              </a:rPr>
+              <a:t> (LEAD developer)</a:t>
+            </a:r>
+            <a:endParaRPr lang="en-US" sz="2400" dirty="0">
               <a:solidFill>
                 <a:srgbClr val="000000"/>
               </a:solidFill>
@@ -16492,13 +16600,31 @@
               <a:buChar char="•"/>
             </a:pPr>
             <a:r>
-              <a:rPr lang="en-US" sz="2400">
-                <a:latin typeface="Times New Roman" charset="0"/>
+              <a:rPr lang="en-US" sz="2400" dirty="0">
+                <a:latin typeface="+mj-lt"/>
               </a:rPr>
-              <a:t>Over 750 TF</a:t>
-            </a:r>
-            <a:endParaRPr lang="en-GB" sz="2400">
-              <a:latin typeface="Times New Roman" charset="0"/>
+              <a:t>Over</a:t>
+            </a:r>
+            <a:r>
+              <a:rPr lang="en-US" sz="2400" dirty="0" smtClean="0">
+                <a:latin typeface="+mj-lt"/>
+              </a:rPr>
+              <a:t> </a:t>
+            </a:r>
+            <a:r>
+              <a:rPr lang="en-US" sz="2400" dirty="0" smtClean="0">
+                <a:latin typeface="+mj-lt"/>
+              </a:rPr>
+              <a:t>2 </a:t>
+            </a:r>
+            <a:r>
+              <a:rPr lang="en-US" sz="2400" dirty="0" err="1" smtClean="0">
+                <a:latin typeface="+mj-lt"/>
+              </a:rPr>
+              <a:t>petaflops</a:t>
+            </a:r>
+            <a:endParaRPr lang="en-GB" sz="2400" dirty="0" smtClean="0">
+              <a:latin typeface="+mj-lt"/>
             </a:endParaRPr>
           </a:p>
           <a:p>
@@ -16510,10 +16636,22 @@
               <a:buChar char="•"/>
             </a:pPr>
             <a:r>
-              <a:rPr lang="en-US" sz="2400">
+              <a:rPr lang="en-US" sz="2400" dirty="0">
                 <a:latin typeface="Times New Roman" charset="0"/>
               </a:rPr>
-              <a:t>Over 30 PB of online and archival data storage</a:t>
+              <a:t>Over</a:t>
+            </a:r>
+            <a:r>
+              <a:rPr lang="en-US" sz="2400" dirty="0" smtClean="0">
+                <a:latin typeface="Times New Roman" charset="0"/>
+              </a:rPr>
+              <a:t> 50 </a:t>
+            </a:r>
+            <a:r>
+              <a:rPr lang="en-US" sz="2400" dirty="0">
+                <a:latin typeface="Times New Roman" charset="0"/>
+              </a:rPr>
+              <a:t>PB of online and archival data storage</a:t>
             </a:r>
           </a:p>
           <a:p>
@@ -16525,10 +16663,22 @@
               <a:buChar char="•"/>
             </a:pPr>
             <a:r>
-              <a:rPr lang="en-GB" sz="2400">
+              <a:rPr lang="en-GB" sz="2400" dirty="0">
                 <a:latin typeface="Times New Roman" charset="0"/>
               </a:rPr>
-              <a:t>Connected via dedicated multi-Gbps links</a:t>
+              <a:t>Connected via dedicated multi-</a:t>
+            </a:r>
+            <a:r>
+              <a:rPr lang="en-GB" sz="2400" dirty="0" err="1">
+                <a:latin typeface="Times New Roman" charset="0"/>
+              </a:rPr>
+              <a:t>Gbps</a:t>
+            </a:r>
+            <a:r>
+              <a:rPr lang="en-GB" sz="2400" dirty="0">
+                <a:latin typeface="Times New Roman" charset="0"/>
+              </a:rPr>
+              <a:t> links</a:t>
             </a:r>
           </a:p>
           <a:p>
@@ -16540,12 +16690,12 @@
               <a:buChar char="•"/>
             </a:pPr>
             <a:r>
-              <a:rPr lang="en-GB" sz="2400">
+              <a:rPr lang="en-GB" sz="2400" dirty="0">
                 <a:latin typeface="Times New Roman" charset="0"/>
               </a:rPr>
               <a:t>30-63 software packages and 6-23 services per resource</a:t>
             </a:r>
-            <a:endParaRPr lang="en-US" sz="2400">
+            <a:endParaRPr lang="en-US" sz="2400" dirty="0">
               <a:latin typeface="Times New Roman" charset="0"/>
             </a:endParaRPr>
           </a:p>
@@ -16572,14 +16722,46 @@
           <a:lstStyle/>
           <a:p>
             <a:r>
-              <a:rPr lang="en-GB" sz="3200">
+              <a:rPr lang="en-GB" sz="3200" dirty="0">
                 <a:solidFill>
                   <a:srgbClr val="0E1ECC"/>
                 </a:solidFill>
               </a:rPr>
-              <a:t>Goal: reliable grid software and services for users</a:t>
-            </a:r>
-            <a:endParaRPr lang="en-US"/>
+              <a:t>Goal: reliable</a:t>
+            </a:r>
+            <a:r>
+              <a:rPr lang="en-GB" sz="3200" dirty="0" smtClean="0">
+                <a:solidFill>
+                  <a:srgbClr val="0E1ECC"/>
+                </a:solidFill>
+              </a:rPr>
+              <a:t> </a:t>
+            </a:r>
+            <a:r>
+              <a:rPr lang="en-GB" sz="3200" dirty="0" err="1" smtClean="0">
+                <a:solidFill>
+                  <a:srgbClr val="0E1ECC"/>
+                </a:solidFill>
+              </a:rPr>
+              <a:t>cyberinfrastructure</a:t>
+            </a:r>
+            <a:r>
+              <a:rPr lang="en-GB" sz="3200" dirty="0" smtClean="0">
+                <a:solidFill>
+                  <a:srgbClr val="0E1ECC"/>
+                </a:solidFill>
+              </a:rPr>
+              <a:t> (CI) for </a:t>
+            </a:r>
+            <a:r>
+              <a:rPr lang="en-GB" sz="3200" dirty="0">
+                <a:solidFill>
+                  <a:srgbClr val="0E1ECC"/>
+                </a:solidFill>
+              </a:rPr>
+              <a:t>users</a:t>
+            </a:r>
+            <a:endParaRPr lang="en-US" dirty="0"/>
           </a:p>
         </p:txBody>
       </p:sp>
@@ -16626,7 +16808,7 @@
         <p:spPr bwMode="auto">
           <a:xfrm>
             <a:off x="3906838" y="4873625"/>
-            <a:ext cx="3408362" cy="396875"/>
+            <a:ext cx="3397601" cy="400110"/>
           </a:xfrm>
           <a:prstGeom prst="rect">
             <a:avLst/>
@@ -16673,7 +16855,43 @@
                 </a:solidFill>
                 <a:latin typeface="Times New Roman" charset="0"/>
               </a:rPr>
-              <a:t> sites, 21 resources</a:t>
+              <a:t> sites,</a:t>
+            </a:r>
+            <a:r>
+              <a:rPr lang="en-GB" i="1" dirty="0" smtClean="0">
+                <a:solidFill>
+                  <a:schemeClr val="accent2"/>
+                </a:solidFill>
+                <a:latin typeface="Times New Roman" charset="0"/>
+              </a:rPr>
+              <a:t> </a:t>
+            </a:r>
+            <a:r>
+              <a:rPr lang="en-GB" i="1" dirty="0" smtClean="0">
+                <a:solidFill>
+                  <a:schemeClr val="accent2"/>
+                </a:solidFill>
+                <a:latin typeface="Times New Roman" charset="0"/>
+              </a:rPr>
+              <a:t>12</a:t>
+            </a:r>
+            <a:r>
+              <a:rPr lang="en-GB" i="1" dirty="0" smtClean="0">
+                <a:solidFill>
+                  <a:schemeClr val="accent2"/>
+                </a:solidFill>
+                <a:latin typeface="Times New Roman" charset="0"/>
+              </a:rPr>
+              <a:t> </a:t>
+            </a:r>
+            <a:r>
+              <a:rPr lang="en-GB" i="1" dirty="0">
+                <a:solidFill>
+                  <a:schemeClr val="accent2"/>
+                </a:solidFill>
+                <a:latin typeface="Times New Roman" charset="0"/>
+              </a:rPr>
+              <a:t>resources</a:t>
             </a:r>
             <a:endParaRPr lang="en-US" sz="2400" dirty="0">
               <a:latin typeface="Times New Roman" charset="0"/>
@@ -16758,15 +16976,32 @@
               <a:buNone/>
             </a:pPr>
             <a:r>
-              <a:rPr lang="en-US">
+              <a:rPr lang="en-US" dirty="0">
                 <a:solidFill>
                   <a:schemeClr val="hlink"/>
                 </a:solidFill>
                 <a:latin typeface="Arial" charset="0"/>
                 <a:ea typeface="ＭＳ Ｐゴシック" charset="-128"/>
               </a:rPr>
-              <a:t>Inca’s primary objective:  user-level Grid monitoring</a:t>
-            </a:r>
+              <a:t>Inca’s primary objective:  user-level</a:t>
+            </a:r>
+            <a:r>
+              <a:rPr lang="en-US" dirty="0" smtClean="0">
+                <a:solidFill>
+                  <a:schemeClr val="hlink"/>
+                </a:solidFill>
+                <a:latin typeface="Arial" charset="0"/>
+                <a:ea typeface="ＭＳ Ｐゴシック" charset="-128"/>
+              </a:rPr>
+              <a:t> CI monitoring</a:t>
+            </a:r>
+            <a:endParaRPr lang="en-US" dirty="0">
+              <a:solidFill>
+                <a:schemeClr val="hlink"/>
+              </a:solidFill>
+              <a:latin typeface="Arial" charset="0"/>
+              <a:ea typeface="ＭＳ Ｐゴシック" charset="-128"/>
+            </a:endParaRPr>
           </a:p>
         </p:txBody>
       </p:sp>
@@ -16786,11 +17021,25 @@
           <a:lstStyle/>
           <a:p>
             <a:r>
-              <a:rPr lang="en-US">
+              <a:rPr lang="en-US" dirty="0">
                 <a:latin typeface="Arial" charset="0"/>
                 <a:ea typeface="ＭＳ Ｐゴシック" charset="-128"/>
               </a:rPr>
-              <a:t>Related Grid monitoring tools</a:t>
+              <a:t>Related</a:t>
+            </a:r>
+            <a:r>
+              <a:rPr lang="en-US" dirty="0" smtClean="0">
+                <a:latin typeface="Arial" charset="0"/>
+                <a:ea typeface="ＭＳ Ｐゴシック" charset="-128"/>
+              </a:rPr>
+              <a:t> CI monitoring </a:t>
+            </a:r>
+            <a:r>
+              <a:rPr lang="en-US" dirty="0">
+                <a:latin typeface="Arial" charset="0"/>
+                <a:ea typeface="ＭＳ Ｐゴシック" charset="-128"/>
+              </a:rPr>
+              <a:t>tools</a:t>
             </a:r>
           </a:p>
         </p:txBody>
@@ -17090,9 +17339,14 @@
           <a:lstStyle/>
           <a:p>
             <a:r>
-              <a:rPr lang="en-US"/>
-              <a:t>User-level grid monitoring</a:t>
-            </a:r>
+              <a:rPr lang="en-US" dirty="0"/>
+              <a:t>User-level</a:t>
+            </a:r>
+            <a:r>
+              <a:rPr lang="en-US" dirty="0" smtClean="0"/>
+              <a:t> CI monitoring</a:t>
+            </a:r>
+            <a:endParaRPr lang="en-US" dirty="0"/>
           </a:p>
         </p:txBody>
       </p:sp>
@@ -17128,7 +17382,7 @@
               </a:spcAft>
             </a:pPr>
             <a:r>
-              <a:rPr lang="en-US" sz="2400"/>
+              <a:rPr lang="en-US" sz="2400" dirty="0"/>
               <a:t>Runs from a standard user account</a:t>
             </a:r>
           </a:p>
@@ -17142,7 +17396,7 @@
               </a:spcAft>
             </a:pPr>
             <a:r>
-              <a:rPr lang="en-US" sz="2400"/>
+              <a:rPr lang="en-US" sz="2400" dirty="0"/>
               <a:t>Executes using a standard GSI credential</a:t>
             </a:r>
           </a:p>
@@ -17156,7 +17410,7 @@
               </a:spcAft>
             </a:pPr>
             <a:r>
-              <a:rPr lang="en-US" sz="2400"/>
+              <a:rPr lang="en-US" sz="2400" dirty="0"/>
               <a:t>Uses tests that are developed and configured based on user documentation</a:t>
             </a:r>
           </a:p>
@@ -17170,7 +17424,7 @@
               </a:spcAft>
             </a:pPr>
             <a:r>
-              <a:rPr lang="en-US" sz="2400"/>
+              <a:rPr lang="en-US" sz="2400" dirty="0"/>
               <a:t>Centrally manages monitoring configuration </a:t>
             </a:r>
           </a:p>
@@ -17184,7 +17438,7 @@
               </a:spcAft>
             </a:pPr>
             <a:r>
-              <a:rPr lang="en-US" sz="2400"/>
+              <a:rPr lang="en-US" sz="2400" dirty="0"/>
               <a:t>Automates periodic execution of tests</a:t>
             </a:r>
           </a:p>
@@ -17198,8 +17452,16 @@
               </a:spcAft>
             </a:pPr>
             <a:r>
-              <a:rPr lang="en-US" sz="2400"/>
-              <a:t>Verifies user-accessible Grid access points</a:t>
+              <a:rPr lang="en-US" sz="2400" dirty="0"/>
+              <a:t>Verifies user-accessible</a:t>
+            </a:r>
+            <a:r>
+              <a:rPr lang="en-US" sz="2400" dirty="0" smtClean="0"/>
+              <a:t> access </a:t>
+            </a:r>
+            <a:r>
+              <a:rPr lang="en-US" sz="2400" dirty="0"/>
+              <a:t>points</a:t>
             </a:r>
           </a:p>
           <a:p>
@@ -17212,7 +17474,7 @@
               </a:spcAft>
             </a:pPr>
             <a:r>
-              <a:rPr lang="en-US" sz="2400"/>
+              <a:rPr lang="en-US" sz="2400" dirty="0"/>
               <a:t>Easily updates and maintains monitoring deployment</a:t>
             </a:r>
           </a:p>
@@ -17537,10 +17799,18 @@
           <a:lstStyle/>
           <a:p>
             <a:r>
-              <a:rPr lang="en-US" sz="3200"/>
-              <a:t>Who benefits from user-level grid monitoring?</a:t>
-            </a:r>
-            <a:endParaRPr lang="en-US"/>
+              <a:rPr lang="en-US" sz="3200" dirty="0"/>
+              <a:t>Who benefits from user-level</a:t>
+            </a:r>
+            <a:r>
+              <a:rPr lang="en-US" sz="3200" dirty="0" smtClean="0"/>
+              <a:t> CI monitoring</a:t>
+            </a:r>
+            <a:r>
+              <a:rPr lang="en-US" sz="3200" dirty="0"/>
+              <a:t>?</a:t>
+            </a:r>
+            <a:endParaRPr lang="en-US" dirty="0"/>
           </a:p>
         </p:txBody>
       </p:sp>
@@ -17565,9 +17835,10 @@
           <a:lstStyle/>
           <a:p>
             <a:r>
-              <a:rPr lang="en-US" sz="2400"/>
-              <a:t>Grid operators</a:t>
-            </a:r>
+              <a:rPr lang="en-US" sz="2400" dirty="0" smtClean="0"/>
+              <a:t>CI operators</a:t>
+            </a:r>
+            <a:endParaRPr lang="en-US" sz="2400" dirty="0"/>
           </a:p>
           <a:p>
             <a:pPr lvl="1">
@@ -17581,7 +17852,7 @@
               <a:buSzTx/>
             </a:pPr>
             <a:r>
-              <a:rPr lang="en-US" sz="2000">
+              <a:rPr lang="en-US" sz="2000" dirty="0">
                 <a:ea typeface="ＭＳ Ｐゴシック" charset="-128"/>
               </a:rPr>
               <a:t>Verify requirements are fulfilled by resource providers </a:t>
@@ -17602,7 +17873,7 @@
               <a:buSzTx/>
             </a:pPr>
             <a:r>
-              <a:rPr lang="en-US" sz="2000">
+              <a:rPr lang="en-US" sz="2000" dirty="0">
                 <a:ea typeface="ＭＳ Ｐゴシック" charset="-128"/>
               </a:rPr>
               <a:t>Identify failure trends</a:t>
@@ -17620,14 +17891,14 @@
               <a:buSzTx/>
             </a:pPr>
             <a:r>
-              <a:rPr lang="en-US" sz="2400"/>
+              <a:rPr lang="en-US" sz="2400" dirty="0"/>
               <a:t>System administrators</a:t>
             </a:r>
           </a:p>
           <a:p>
             <a:pPr lvl="1"/>
             <a:r>
-              <a:rPr lang="en-US" sz="2000">
+              <a:rPr lang="en-US" sz="2000" dirty="0">
                 <a:ea typeface="ＭＳ Ｐゴシック" charset="-128"/>
               </a:rPr>
               <a:t>Email notification</a:t>
@@ -17640,7 +17911,7 @@
               </a:spcAft>
             </a:pPr>
             <a:r>
-              <a:rPr lang="en-US" sz="2000">
+              <a:rPr lang="en-US" sz="2000" dirty="0">
                 <a:ea typeface="ＭＳ Ｐゴシック" charset="-128"/>
               </a:rPr>
               <a:t>Debugging support</a:t>
@@ -17648,14 +17919,14 @@
           </a:p>
           <a:p>
             <a:r>
-              <a:rPr lang="en-US" sz="2400"/>
+              <a:rPr lang="en-US" sz="2400" dirty="0"/>
               <a:t>End users</a:t>
             </a:r>
           </a:p>
           <a:p>
             <a:pPr lvl="1"/>
             <a:r>
-              <a:rPr lang="en-US" sz="2000">
+              <a:rPr lang="en-US" sz="2000" dirty="0">
                 <a:ea typeface="ＭＳ Ｐゴシック" charset="-128"/>
               </a:rPr>
               <a:t>Debug user account/environment issues </a:t>
@@ -17664,11 +17935,20 @@
           <a:p>
             <a:pPr lvl="1"/>
             <a:r>
-              <a:rPr lang="en-US" sz="2000">
+              <a:rPr lang="en-US" sz="2000" dirty="0">
                 <a:ea typeface="ＭＳ Ｐゴシック" charset="-128"/>
               </a:rPr>
-              <a:t>Advanced users: feedback to Grid/VO</a:t>
-            </a:r>
+              <a:t>Advanced users: feedback to</a:t>
+            </a:r>
+            <a:r>
+              <a:rPr lang="en-US" sz="2000" dirty="0" smtClean="0">
+                <a:ea typeface="ＭＳ Ｐゴシック" charset="-128"/>
+              </a:rPr>
+              <a:t> CI managers</a:t>
+            </a:r>
+            <a:endParaRPr lang="en-US" sz="2000" dirty="0">
+              <a:ea typeface="ＭＳ Ｐゴシック" charset="-128"/>
+            </a:endParaRPr>
           </a:p>
         </p:txBody>
       </p:sp>
